--- a/aula_sdc.pptx
+++ b/aula_sdc.pptx
@@ -12531,8 +12531,8 @@
         </p:nvSpPr>
         <p:spPr>
           <a:xfrm>
-            <a:off x="1524000" y="665163"/>
-            <a:ext cx="9144000" cy="2387600"/>
+            <a:off x="1524000" y="348343"/>
+            <a:ext cx="9144000" cy="1081317"/>
           </a:xfrm>
         </p:spPr>
         <p:txBody>
@@ -12562,7 +12562,12 @@
             <p:ph type="subTitle" idx="1"/>
           </p:nvPr>
         </p:nvSpPr>
-        <p:spPr/>
+        <p:spPr>
+          <a:xfrm>
+            <a:off x="1524000" y="4575628"/>
+            <a:ext cx="9144000" cy="2145846"/>
+          </a:xfrm>
+        </p:spPr>
         <p:txBody>
           <a:bodyPr>
             <a:noAutofit/>
@@ -12575,17 +12580,12 @@
             </a:r>
           </a:p>
           <a:p>
+            <a:endParaRPr lang="pt-BR" dirty="0"/>
+          </a:p>
+          <a:p>
             <a:r>
               <a:rPr lang="pt-BR" dirty="0"/>
-              <a:t>https://</a:t>
-            </a:r>
-            <a:r>
-              <a:rPr lang="pt-BR" dirty="0" err="1"/>
-              <a:t>x.com</a:t>
-            </a:r>
-            <a:r>
-              <a:rPr lang="pt-BR" dirty="0"/>
-              <a:t>/</a:t>
+              <a:t>@</a:t>
             </a:r>
             <a:r>
               <a:rPr lang="pt-BR" dirty="0" err="1"/>
@@ -12596,7 +12596,7 @@
           <a:p>
             <a:r>
               <a:rPr lang="pt-BR" dirty="0"/>
-              <a:t>https://www.linkedin.com/in/leomartins7/</a:t>
+              <a:t>/leomartins7</a:t>
             </a:r>
           </a:p>
         </p:txBody>
@@ -12631,6 +12631,333 @@
           </a:p>
         </p:txBody>
       </p:sp>
+      <p:sp>
+        <p:nvSpPr>
+          <p:cNvPr id="4" name="Subtitle 2">
+            <a:extLst>
+              <a:ext uri="{FF2B5EF4-FFF2-40B4-BE49-F238E27FC236}">
+                <a16:creationId xmlns:a16="http://schemas.microsoft.com/office/drawing/2014/main" id="{26E6785B-6CB4-EB78-FB9A-191E5CDA17D0}"/>
+              </a:ext>
+            </a:extLst>
+          </p:cNvPr>
+          <p:cNvSpPr txBox="1">
+            <a:spLocks/>
+          </p:cNvSpPr>
+          <p:nvPr/>
+        </p:nvSpPr>
+        <p:spPr>
+          <a:xfrm>
+            <a:off x="1393371" y="2200050"/>
+            <a:ext cx="9144000" cy="1605188"/>
+          </a:xfrm>
+          <a:prstGeom prst="rect">
+            <a:avLst/>
+          </a:prstGeom>
+        </p:spPr>
+        <p:txBody>
+          <a:bodyPr vert="horz" lIns="91440" tIns="45720" rIns="91440" bIns="45720" rtlCol="0">
+            <a:noAutofit/>
+          </a:bodyPr>
+          <a:lstStyle>
+            <a:lvl1pPr marL="0" indent="0" algn="ctr" defTabSz="914400" rtl="0" eaLnBrk="1" latinLnBrk="0" hangingPunct="1">
+              <a:lnSpc>
+                <a:spcPct val="90000"/>
+              </a:lnSpc>
+              <a:spcBef>
+                <a:spcPts val="1000"/>
+              </a:spcBef>
+              <a:buFont typeface="Arial" panose="020B0604020202020204" pitchFamily="34" charset="0"/>
+              <a:buNone/>
+              <a:defRPr sz="2400" kern="1200">
+                <a:solidFill>
+                  <a:schemeClr val="tx1"/>
+                </a:solidFill>
+                <a:latin typeface="+mn-lt"/>
+                <a:ea typeface="+mn-ea"/>
+                <a:cs typeface="+mn-cs"/>
+              </a:defRPr>
+            </a:lvl1pPr>
+            <a:lvl2pPr marL="457200" indent="0" algn="ctr" defTabSz="914400" rtl="0" eaLnBrk="1" latinLnBrk="0" hangingPunct="1">
+              <a:lnSpc>
+                <a:spcPct val="90000"/>
+              </a:lnSpc>
+              <a:spcBef>
+                <a:spcPts val="500"/>
+              </a:spcBef>
+              <a:buFont typeface="Arial" panose="020B0604020202020204" pitchFamily="34" charset="0"/>
+              <a:buNone/>
+              <a:defRPr sz="2000" kern="1200">
+                <a:solidFill>
+                  <a:schemeClr val="tx1"/>
+                </a:solidFill>
+                <a:latin typeface="+mn-lt"/>
+                <a:ea typeface="+mn-ea"/>
+                <a:cs typeface="+mn-cs"/>
+              </a:defRPr>
+            </a:lvl2pPr>
+            <a:lvl3pPr marL="914400" indent="0" algn="ctr" defTabSz="914400" rtl="0" eaLnBrk="1" latinLnBrk="0" hangingPunct="1">
+              <a:lnSpc>
+                <a:spcPct val="90000"/>
+              </a:lnSpc>
+              <a:spcBef>
+                <a:spcPts val="500"/>
+              </a:spcBef>
+              <a:buFont typeface="Arial" panose="020B0604020202020204" pitchFamily="34" charset="0"/>
+              <a:buNone/>
+              <a:defRPr sz="1800" kern="1200">
+                <a:solidFill>
+                  <a:schemeClr val="tx1"/>
+                </a:solidFill>
+                <a:latin typeface="+mn-lt"/>
+                <a:ea typeface="+mn-ea"/>
+                <a:cs typeface="+mn-cs"/>
+              </a:defRPr>
+            </a:lvl3pPr>
+            <a:lvl4pPr marL="1371600" indent="0" algn="ctr" defTabSz="914400" rtl="0" eaLnBrk="1" latinLnBrk="0" hangingPunct="1">
+              <a:lnSpc>
+                <a:spcPct val="90000"/>
+              </a:lnSpc>
+              <a:spcBef>
+                <a:spcPts val="500"/>
+              </a:spcBef>
+              <a:buFont typeface="Arial" panose="020B0604020202020204" pitchFamily="34" charset="0"/>
+              <a:buNone/>
+              <a:defRPr sz="1600" kern="1200">
+                <a:solidFill>
+                  <a:schemeClr val="tx1"/>
+                </a:solidFill>
+                <a:latin typeface="+mn-lt"/>
+                <a:ea typeface="+mn-ea"/>
+                <a:cs typeface="+mn-cs"/>
+              </a:defRPr>
+            </a:lvl4pPr>
+            <a:lvl5pPr marL="1828800" indent="0" algn="ctr" defTabSz="914400" rtl="0" eaLnBrk="1" latinLnBrk="0" hangingPunct="1">
+              <a:lnSpc>
+                <a:spcPct val="90000"/>
+              </a:lnSpc>
+              <a:spcBef>
+                <a:spcPts val="500"/>
+              </a:spcBef>
+              <a:buFont typeface="Arial" panose="020B0604020202020204" pitchFamily="34" charset="0"/>
+              <a:buNone/>
+              <a:defRPr sz="1600" kern="1200">
+                <a:solidFill>
+                  <a:schemeClr val="tx1"/>
+                </a:solidFill>
+                <a:latin typeface="+mn-lt"/>
+                <a:ea typeface="+mn-ea"/>
+                <a:cs typeface="+mn-cs"/>
+              </a:defRPr>
+            </a:lvl5pPr>
+            <a:lvl6pPr marL="2286000" indent="0" algn="ctr" defTabSz="914400" rtl="0" eaLnBrk="1" latinLnBrk="0" hangingPunct="1">
+              <a:lnSpc>
+                <a:spcPct val="90000"/>
+              </a:lnSpc>
+              <a:spcBef>
+                <a:spcPts val="500"/>
+              </a:spcBef>
+              <a:buFont typeface="Arial" panose="020B0604020202020204" pitchFamily="34" charset="0"/>
+              <a:buNone/>
+              <a:defRPr sz="1600" kern="1200">
+                <a:solidFill>
+                  <a:schemeClr val="tx1"/>
+                </a:solidFill>
+                <a:latin typeface="+mn-lt"/>
+                <a:ea typeface="+mn-ea"/>
+                <a:cs typeface="+mn-cs"/>
+              </a:defRPr>
+            </a:lvl6pPr>
+            <a:lvl7pPr marL="2743200" indent="0" algn="ctr" defTabSz="914400" rtl="0" eaLnBrk="1" latinLnBrk="0" hangingPunct="1">
+              <a:lnSpc>
+                <a:spcPct val="90000"/>
+              </a:lnSpc>
+              <a:spcBef>
+                <a:spcPts val="500"/>
+              </a:spcBef>
+              <a:buFont typeface="Arial" panose="020B0604020202020204" pitchFamily="34" charset="0"/>
+              <a:buNone/>
+              <a:defRPr sz="1600" kern="1200">
+                <a:solidFill>
+                  <a:schemeClr val="tx1"/>
+                </a:solidFill>
+                <a:latin typeface="+mn-lt"/>
+                <a:ea typeface="+mn-ea"/>
+                <a:cs typeface="+mn-cs"/>
+              </a:defRPr>
+            </a:lvl7pPr>
+            <a:lvl8pPr marL="3200400" indent="0" algn="ctr" defTabSz="914400" rtl="0" eaLnBrk="1" latinLnBrk="0" hangingPunct="1">
+              <a:lnSpc>
+                <a:spcPct val="90000"/>
+              </a:lnSpc>
+              <a:spcBef>
+                <a:spcPts val="500"/>
+              </a:spcBef>
+              <a:buFont typeface="Arial" panose="020B0604020202020204" pitchFamily="34" charset="0"/>
+              <a:buNone/>
+              <a:defRPr sz="1600" kern="1200">
+                <a:solidFill>
+                  <a:schemeClr val="tx1"/>
+                </a:solidFill>
+                <a:latin typeface="+mn-lt"/>
+                <a:ea typeface="+mn-ea"/>
+                <a:cs typeface="+mn-cs"/>
+              </a:defRPr>
+            </a:lvl8pPr>
+            <a:lvl9pPr marL="3657600" indent="0" algn="ctr" defTabSz="914400" rtl="0" eaLnBrk="1" latinLnBrk="0" hangingPunct="1">
+              <a:lnSpc>
+                <a:spcPct val="90000"/>
+              </a:lnSpc>
+              <a:spcBef>
+                <a:spcPts val="500"/>
+              </a:spcBef>
+              <a:buFont typeface="Arial" panose="020B0604020202020204" pitchFamily="34" charset="0"/>
+              <a:buNone/>
+              <a:defRPr sz="1600" kern="1200">
+                <a:solidFill>
+                  <a:schemeClr val="tx1"/>
+                </a:solidFill>
+                <a:latin typeface="+mn-lt"/>
+                <a:ea typeface="+mn-ea"/>
+                <a:cs typeface="+mn-cs"/>
+              </a:defRPr>
+            </a:lvl9pPr>
+          </a:lstStyle>
+          <a:p>
+            <a:r>
+              <a:rPr lang="pt-BR" dirty="0"/>
+              <a:t>Slides e códigos disponíveis:</a:t>
+            </a:r>
+            <a:br>
+              <a:rPr lang="pt-BR" dirty="0"/>
+            </a:br>
+            <a:endParaRPr lang="pt-BR" dirty="0"/>
+          </a:p>
+        </p:txBody>
+      </p:sp>
+      <p:pic>
+        <p:nvPicPr>
+          <p:cNvPr id="8" name="Picture 7" descr="A qr code with black squares&#10;&#10;AI-generated content may be incorrect.">
+            <a:extLst>
+              <a:ext uri="{FF2B5EF4-FFF2-40B4-BE49-F238E27FC236}">
+                <a16:creationId xmlns:a16="http://schemas.microsoft.com/office/drawing/2014/main" id="{ABD3E649-2FFB-4315-DDD0-D3BCEDA73B68}"/>
+              </a:ext>
+            </a:extLst>
+          </p:cNvPr>
+          <p:cNvPicPr>
+            <a:picLocks noChangeAspect="1"/>
+          </p:cNvPicPr>
+          <p:nvPr/>
+        </p:nvPicPr>
+        <p:blipFill>
+          <a:blip r:embed="rId3"/>
+          <a:stretch>
+            <a:fillRect/>
+          </a:stretch>
+        </p:blipFill>
+        <p:spPr>
+          <a:xfrm>
+            <a:off x="5447847" y="2917599"/>
+            <a:ext cx="1296306" cy="1296306"/>
+          </a:xfrm>
+          <a:prstGeom prst="rect">
+            <a:avLst/>
+          </a:prstGeom>
+        </p:spPr>
+      </p:pic>
+      <p:pic>
+        <p:nvPicPr>
+          <p:cNvPr id="1026" name="Picture 2" descr="Free Twitter Logo Icon - Download Gratuito Logotipos Logo Icons | IconScout">
+            <a:extLst>
+              <a:ext uri="{FF2B5EF4-FFF2-40B4-BE49-F238E27FC236}">
+                <a16:creationId xmlns:a16="http://schemas.microsoft.com/office/drawing/2014/main" id="{29ECA3A0-3A0A-D3D6-9DA3-5B0FE368D2D9}"/>
+              </a:ext>
+            </a:extLst>
+          </p:cNvPr>
+          <p:cNvPicPr>
+            <a:picLocks noChangeAspect="1" noChangeArrowheads="1"/>
+          </p:cNvPicPr>
+          <p:nvPr/>
+        </p:nvPicPr>
+        <p:blipFill>
+          <a:blip r:embed="rId4">
+            <a:extLst>
+              <a:ext uri="{28A0092B-C50C-407E-A947-70E740481C1C}">
+                <a14:useLocalDpi xmlns:a14="http://schemas.microsoft.com/office/drawing/2010/main" val="0"/>
+              </a:ext>
+            </a:extLst>
+          </a:blip>
+          <a:srcRect/>
+          <a:stretch>
+            <a:fillRect/>
+          </a:stretch>
+        </p:blipFill>
+        <p:spPr bwMode="auto">
+          <a:xfrm>
+            <a:off x="4751754" y="5450226"/>
+            <a:ext cx="396649" cy="396649"/>
+          </a:xfrm>
+          <a:prstGeom prst="rect">
+            <a:avLst/>
+          </a:prstGeom>
+          <a:noFill/>
+          <a:extLst>
+            <a:ext uri="{909E8E84-426E-40DD-AFC4-6F175D3DCCD1}">
+              <a14:hiddenFill xmlns:a14="http://schemas.microsoft.com/office/drawing/2010/main">
+                <a:solidFill>
+                  <a:srgbClr val="FFFFFF"/>
+                </a:solidFill>
+              </a14:hiddenFill>
+            </a:ext>
+          </a:extLst>
+        </p:spPr>
+      </p:pic>
+      <p:pic>
+        <p:nvPicPr>
+          <p:cNvPr id="1030" name="Picture 6" descr="LinkedIn Logo Icons for Your Website">
+            <a:extLst>
+              <a:ext uri="{FF2B5EF4-FFF2-40B4-BE49-F238E27FC236}">
+                <a16:creationId xmlns:a16="http://schemas.microsoft.com/office/drawing/2014/main" id="{1359907F-144C-5BB8-811F-E9057EEE6713}"/>
+              </a:ext>
+            </a:extLst>
+          </p:cNvPr>
+          <p:cNvPicPr>
+            <a:picLocks noChangeAspect="1" noChangeArrowheads="1"/>
+          </p:cNvPicPr>
+          <p:nvPr/>
+        </p:nvPicPr>
+        <p:blipFill>
+          <a:blip r:embed="rId5">
+            <a:extLst>
+              <a:ext uri="{28A0092B-C50C-407E-A947-70E740481C1C}">
+                <a14:useLocalDpi xmlns:a14="http://schemas.microsoft.com/office/drawing/2010/main" val="0"/>
+              </a:ext>
+            </a:extLst>
+          </a:blip>
+          <a:srcRect/>
+          <a:stretch>
+            <a:fillRect/>
+          </a:stretch>
+        </p:blipFill>
+        <p:spPr bwMode="auto">
+          <a:xfrm>
+            <a:off x="4708387" y="5872968"/>
+            <a:ext cx="483382" cy="483382"/>
+          </a:xfrm>
+          <a:prstGeom prst="rect">
+            <a:avLst/>
+          </a:prstGeom>
+          <a:noFill/>
+          <a:extLst>
+            <a:ext uri="{909E8E84-426E-40DD-AFC4-6F175D3DCCD1}">
+              <a14:hiddenFill xmlns:a14="http://schemas.microsoft.com/office/drawing/2010/main">
+                <a:solidFill>
+                  <a:srgbClr val="FFFFFF"/>
+                </a:solidFill>
+              </a14:hiddenFill>
+            </a:ext>
+          </a:extLst>
+        </p:spPr>
+      </p:pic>
     </p:spTree>
     <p:extLst>
       <p:ext uri="{BB962C8B-B14F-4D97-AF65-F5344CB8AC3E}">
@@ -13847,8 +14174,8 @@
             <a:chExt cx="5737026" cy="1152428"/>
           </a:xfrm>
         </p:grpSpPr>
-        <mc:AlternateContent xmlns:mc="http://schemas.openxmlformats.org/markup-compatibility/2006">
-          <mc:Choice xmlns:a14="http://schemas.microsoft.com/office/drawing/2010/main" Requires="a14">
+        <mc:AlternateContent xmlns:mc="http://schemas.openxmlformats.org/markup-compatibility/2006" xmlns:a14="http://schemas.microsoft.com/office/drawing/2010/main">
+          <mc:Choice Requires="a14">
             <p:sp>
               <p:nvSpPr>
                 <p:cNvPr id="15" name="TextBox 14">
@@ -14050,7 +14377,7 @@
               </p:txBody>
             </p:sp>
           </mc:Choice>
-          <mc:Fallback>
+          <mc:Fallback xmlns="">
             <p:sp>
               <p:nvSpPr>
                 <p:cNvPr id="15" name="TextBox 14">
@@ -16035,8 +16362,8 @@
           </a:p>
         </p:txBody>
       </p:sp>
-      <mc:AlternateContent xmlns:mc="http://schemas.openxmlformats.org/markup-compatibility/2006">
-        <mc:Choice xmlns:a14="http://schemas.microsoft.com/office/drawing/2010/main" Requires="a14">
+      <mc:AlternateContent xmlns:mc="http://schemas.openxmlformats.org/markup-compatibility/2006" xmlns:a14="http://schemas.microsoft.com/office/drawing/2010/main">
+        <mc:Choice Requires="a14">
           <p:sp>
             <p:nvSpPr>
               <p:cNvPr id="3" name="TextBox 2">
@@ -16141,7 +16468,7 @@
             </p:txBody>
           </p:sp>
         </mc:Choice>
-        <mc:Fallback>
+        <mc:Fallback xmlns="">
           <p:sp>
             <p:nvSpPr>
               <p:cNvPr id="3" name="TextBox 2">
@@ -18052,6 +18379,15 @@
 </file>
 
 <file path=customXml/item1.xml><?xml version="1.0" encoding="utf-8"?>
+<?mso-contentType ?>
+<FormTemplates xmlns="http://schemas.microsoft.com/sharepoint/v3/contenttype/forms">
+  <Display>DocumentLibraryForm</Display>
+  <Edit>DocumentLibraryForm</Edit>
+  <New>DocumentLibraryForm</New>
+</FormTemplates>
+</file>
+
+<file path=customXml/item2.xml><?xml version="1.0" encoding="utf-8"?>
 <p:properties xmlns:p="http://schemas.microsoft.com/office/2006/metadata/properties" xmlns:xsi="http://www.w3.org/2001/XMLSchema-instance" xmlns:pc="http://schemas.microsoft.com/office/infopath/2007/PartnerControls">
   <documentManagement>
     <_ip_UnifiedCompliancePolicyUIAction xmlns="http://schemas.microsoft.com/sharepoint/v3" xsi:nil="true"/>
@@ -18069,15 +18405,6 @@
     <MediaServiceKeyPoints xmlns="71af3243-3dd4-4a8d-8c0d-dd76da1f02a5" xsi:nil="true"/>
   </documentManagement>
 </p:properties>
-</file>
-
-<file path=customXml/item2.xml><?xml version="1.0" encoding="utf-8"?>
-<?mso-contentType ?>
-<FormTemplates xmlns="http://schemas.microsoft.com/sharepoint/v3/contenttype/forms">
-  <Display>DocumentLibraryForm</Display>
-  <Edit>DocumentLibraryForm</Edit>
-  <New>DocumentLibraryForm</New>
-</FormTemplates>
 </file>
 
 <file path=customXml/item3.xml><?xml version="1.0" encoding="utf-8"?>
@@ -18393,6 +18720,14 @@
 </file>
 
 <file path=customXml/itemProps1.xml><?xml version="1.0" encoding="utf-8"?>
+<ds:datastoreItem xmlns:ds="http://schemas.openxmlformats.org/officeDocument/2006/customXml" ds:itemID="{CABF691C-888B-4061-8A6F-D5CE84A0254B}">
+  <ds:schemaRefs>
+    <ds:schemaRef ds:uri="http://schemas.microsoft.com/sharepoint/v3/contenttype/forms"/>
+  </ds:schemaRefs>
+</ds:datastoreItem>
+</file>
+
+<file path=customXml/itemProps2.xml><?xml version="1.0" encoding="utf-8"?>
 <ds:datastoreItem xmlns:ds="http://schemas.openxmlformats.org/officeDocument/2006/customXml" ds:itemID="{49168DCE-134F-4610-A6AA-88CEBE8D71D2}">
   <ds:schemaRefs>
     <ds:schemaRef ds:uri="http://schemas.microsoft.com/office/2006/metadata/properties"/>
@@ -18400,14 +18735,6 @@
     <ds:schemaRef ds:uri="http://schemas.microsoft.com/sharepoint/v3"/>
     <ds:schemaRef ds:uri="71af3243-3dd4-4a8d-8c0d-dd76da1f02a5"/>
     <ds:schemaRef ds:uri="230e9df3-be65-4c73-a93b-d1236ebd677e"/>
-  </ds:schemaRefs>
-</ds:datastoreItem>
-</file>
-
-<file path=customXml/itemProps2.xml><?xml version="1.0" encoding="utf-8"?>
-<ds:datastoreItem xmlns:ds="http://schemas.openxmlformats.org/officeDocument/2006/customXml" ds:itemID="{CABF691C-888B-4061-8A6F-D5CE84A0254B}">
-  <ds:schemaRefs>
-    <ds:schemaRef ds:uri="http://schemas.microsoft.com/sharepoint/v3/contenttype/forms"/>
   </ds:schemaRefs>
 </ds:datastoreItem>
 </file>

--- a/aula_sdc.pptx
+++ b/aula_sdc.pptx
@@ -238,7 +238,7 @@
           <a:p>
             <a:fld id="{B56F32FC-4BD9-442A-A8C6-51598C909FE3}" type="datetimeFigureOut">
               <a:rPr lang="en-US" smtClean="0"/>
-              <a:t>6/3/25</a:t>
+              <a:t>2/3/26</a:t>
             </a:fld>
             <a:endParaRPr lang="en-US" dirty="0"/>
           </a:p>
@@ -415,7 +415,7 @@
           <a:p>
             <a:fld id="{056371FA-A98D-41E8-93F4-09945841298A}" type="datetimeFigureOut">
               <a:rPr lang="en-US" smtClean="0"/>
-              <a:t>6/3/25</a:t>
+              <a:t>2/3/26</a:t>
             </a:fld>
             <a:endParaRPr lang="en-US" dirty="0"/>
           </a:p>
@@ -6143,12 +6143,12 @@
           <a:chExt cx="0" cy="0"/>
         </a:xfrm>
       </p:grpSpPr>
-      <p:sp useBgFill="1">
-        <p:nvSpPr>
-          <p:cNvPr id="8" name="Rectangle 7">
+      <p:sp>
+        <p:nvSpPr>
+          <p:cNvPr id="28" name="Rectangle 27">
             <a:extLst>
               <a:ext uri="{FF2B5EF4-FFF2-40B4-BE49-F238E27FC236}">
-                <a16:creationId xmlns:a16="http://schemas.microsoft.com/office/drawing/2014/main" id="{943CAA20-3569-4189-9E48-239A229A86CA}"/>
+                <a16:creationId xmlns:a16="http://schemas.microsoft.com/office/drawing/2014/main" id="{FB5B0058-AF13-4859-B429-4EDDE2A26F7F}"/>
               </a:ext>
               <a:ext uri="{C183D7F6-B498-43B3-948B-1728B52AA6E4}">
                 <adec:decorative xmlns:adec="http://schemas.microsoft.com/office/drawing/2017/decorative" val="1"/>
@@ -6169,11 +6169,17 @@
         <p:spPr>
           <a:xfrm>
             <a:off x="0" y="0"/>
-            <a:ext cx="12188952" cy="6858000"/>
+            <a:ext cx="12192000" cy="6858000"/>
           </a:xfrm>
           <a:prstGeom prst="rect">
             <a:avLst/>
           </a:prstGeom>
+          <a:solidFill>
+            <a:schemeClr val="tx1">
+              <a:lumMod val="95000"/>
+              <a:lumOff val="5000"/>
+            </a:schemeClr>
+          </a:solidFill>
           <a:ln>
             <a:noFill/>
           </a:ln>
@@ -6199,7 +6205,7 @@
           <a:lstStyle/>
           <a:p>
             <a:pPr algn="ctr"/>
-            <a:endParaRPr lang="pt-BR" dirty="0"/>
+            <a:endParaRPr lang="en-US"/>
           </a:p>
         </p:txBody>
       </p:sp>
@@ -6221,8 +6227,8 @@
         </p:nvSpPr>
         <p:spPr>
           <a:xfrm>
-            <a:off x="838200" y="451381"/>
-            <a:ext cx="10512552" cy="4066540"/>
+            <a:off x="1334948" y="717224"/>
+            <a:ext cx="6151074" cy="2154370"/>
           </a:xfrm>
         </p:spPr>
         <p:txBody>
@@ -6231,11 +6237,11 @@
           </a:bodyPr>
           <a:lstStyle/>
           <a:p>
-            <a:pPr algn="l"/>
+            <a:pPr algn="r"/>
             <a:r>
-              <a:rPr lang="pt-BR" sz="6600" kern="1200" dirty="0">
+              <a:rPr lang="en-US" sz="4800" kern="1200">
                 <a:solidFill>
-                  <a:schemeClr val="tx1"/>
+                  <a:schemeClr val="bg1"/>
                 </a:solidFill>
                 <a:latin typeface="+mj-lt"/>
                 <a:ea typeface="+mj-ea"/>
@@ -6260,31 +6266,28 @@
         </p:nvSpPr>
         <p:spPr>
           <a:xfrm>
-            <a:off x="838199" y="4983276"/>
-            <a:ext cx="10512552" cy="1126680"/>
+            <a:off x="6360607" y="4214848"/>
+            <a:ext cx="3842778" cy="489643"/>
           </a:xfrm>
           <a:prstGeom prst="rect">
             <a:avLst/>
           </a:prstGeom>
         </p:spPr>
         <p:txBody>
-          <a:bodyPr vert="horz" lIns="91440" tIns="45720" rIns="91440" bIns="45720" rtlCol="0">
+          <a:bodyPr vert="horz" lIns="91440" tIns="45720" rIns="91440" bIns="45720" rtlCol="0" anchor="b">
             <a:normAutofit/>
           </a:bodyPr>
           <a:lstStyle/>
           <a:p>
             <a:pPr defTabSz="914400">
-              <a:lnSpc>
-                <a:spcPct val="90000"/>
-              </a:lnSpc>
               <a:spcBef>
                 <a:spcPts val="1000"/>
               </a:spcBef>
             </a:pPr>
             <a:r>
-              <a:rPr lang="pt-BR" sz="2400" kern="1200" dirty="0">
+              <a:rPr lang="en-US" sz="2000" kern="1200">
                 <a:solidFill>
-                  <a:schemeClr val="tx1"/>
+                  <a:schemeClr val="bg1"/>
                 </a:solidFill>
                 <a:latin typeface="+mn-lt"/>
                 <a:ea typeface="+mn-ea"/>
@@ -6295,21 +6298,21 @@
           </a:p>
         </p:txBody>
       </p:sp>
-      <p:sp>
-        <p:nvSpPr>
-          <p:cNvPr id="10" name="sketch line">
+      <p:cxnSp>
+        <p:nvCxnSpPr>
+          <p:cNvPr id="30" name="Straight Connector 29">
             <a:extLst>
               <a:ext uri="{FF2B5EF4-FFF2-40B4-BE49-F238E27FC236}">
-                <a16:creationId xmlns:a16="http://schemas.microsoft.com/office/drawing/2014/main" id="{DA542B6D-E775-4832-91DC-2D20F857813A}"/>
+                <a16:creationId xmlns:a16="http://schemas.microsoft.com/office/drawing/2014/main" id="{C4C8A451-B6C1-4CB1-95FC-2DBDEC61FF17}"/>
               </a:ext>
               <a:ext uri="{C183D7F6-B498-43B3-948B-1728B52AA6E4}">
                 <adec:decorative xmlns:adec="http://schemas.microsoft.com/office/drawing/2017/decorative" val="1"/>
               </a:ext>
             </a:extLst>
           </p:cNvPr>
-          <p:cNvSpPr>
-            <a:spLocks noGrp="1" noRot="1" noChangeAspect="1" noMove="1" noResize="1" noEditPoints="1" noAdjustHandles="1" noChangeArrowheads="1" noChangeShapeType="1" noTextEdit="1"/>
-          </p:cNvSpPr>
+          <p:cNvCxnSpPr>
+            <a:cxnSpLocks noGrp="1" noRot="1" noChangeAspect="1" noMove="1" noResize="1" noEditPoints="1" noAdjustHandles="1" noChangeArrowheads="1" noChangeShapeType="1"/>
+          </p:cNvCxnSpPr>
           <p:nvPr>
             <p:extLst>
               <p:ext uri="{386F3935-93C4-4BCD-93E2-E3B085C9AB24}">
@@ -6317,357 +6320,88 @@
               </p:ext>
             </p:extLst>
           </p:nvPr>
-        </p:nvSpPr>
+        </p:nvCxnSpPr>
         <p:spPr>
-          <a:xfrm>
-            <a:off x="838200" y="4718595"/>
-            <a:ext cx="5410200" cy="18288"/>
+          <a:xfrm flipH="1">
+            <a:off x="0" y="3068597"/>
+            <a:ext cx="7486022" cy="0"/>
           </a:xfrm>
-          <a:custGeom>
+          <a:prstGeom prst="line">
             <a:avLst/>
-            <a:gdLst>
-              <a:gd name="connsiteX0" fmla="*/ 0 w 5410200"/>
-              <a:gd name="connsiteY0" fmla="*/ 0 h 18288"/>
-              <a:gd name="connsiteX1" fmla="*/ 568071 w 5410200"/>
-              <a:gd name="connsiteY1" fmla="*/ 0 h 18288"/>
-              <a:gd name="connsiteX2" fmla="*/ 1298448 w 5410200"/>
-              <a:gd name="connsiteY2" fmla="*/ 0 h 18288"/>
-              <a:gd name="connsiteX3" fmla="*/ 1920621 w 5410200"/>
-              <a:gd name="connsiteY3" fmla="*/ 0 h 18288"/>
-              <a:gd name="connsiteX4" fmla="*/ 2488692 w 5410200"/>
-              <a:gd name="connsiteY4" fmla="*/ 0 h 18288"/>
-              <a:gd name="connsiteX5" fmla="*/ 3219069 w 5410200"/>
-              <a:gd name="connsiteY5" fmla="*/ 0 h 18288"/>
-              <a:gd name="connsiteX6" fmla="*/ 3895344 w 5410200"/>
-              <a:gd name="connsiteY6" fmla="*/ 0 h 18288"/>
-              <a:gd name="connsiteX7" fmla="*/ 4571619 w 5410200"/>
-              <a:gd name="connsiteY7" fmla="*/ 0 h 18288"/>
-              <a:gd name="connsiteX8" fmla="*/ 5410200 w 5410200"/>
-              <a:gd name="connsiteY8" fmla="*/ 0 h 18288"/>
-              <a:gd name="connsiteX9" fmla="*/ 5410200 w 5410200"/>
-              <a:gd name="connsiteY9" fmla="*/ 18288 h 18288"/>
-              <a:gd name="connsiteX10" fmla="*/ 4842129 w 5410200"/>
-              <a:gd name="connsiteY10" fmla="*/ 18288 h 18288"/>
-              <a:gd name="connsiteX11" fmla="*/ 4328160 w 5410200"/>
-              <a:gd name="connsiteY11" fmla="*/ 18288 h 18288"/>
-              <a:gd name="connsiteX12" fmla="*/ 3597783 w 5410200"/>
-              <a:gd name="connsiteY12" fmla="*/ 18288 h 18288"/>
-              <a:gd name="connsiteX13" fmla="*/ 3029712 w 5410200"/>
-              <a:gd name="connsiteY13" fmla="*/ 18288 h 18288"/>
-              <a:gd name="connsiteX14" fmla="*/ 2299335 w 5410200"/>
-              <a:gd name="connsiteY14" fmla="*/ 18288 h 18288"/>
-              <a:gd name="connsiteX15" fmla="*/ 1514856 w 5410200"/>
-              <a:gd name="connsiteY15" fmla="*/ 18288 h 18288"/>
-              <a:gd name="connsiteX16" fmla="*/ 892683 w 5410200"/>
-              <a:gd name="connsiteY16" fmla="*/ 18288 h 18288"/>
-              <a:gd name="connsiteX17" fmla="*/ 0 w 5410200"/>
-              <a:gd name="connsiteY17" fmla="*/ 18288 h 18288"/>
-              <a:gd name="connsiteX18" fmla="*/ 0 w 5410200"/>
-              <a:gd name="connsiteY18" fmla="*/ 0 h 18288"/>
-            </a:gdLst>
-            <a:ahLst/>
-            <a:cxnLst>
-              <a:cxn ang="0">
-                <a:pos x="connsiteX0" y="connsiteY0"/>
-              </a:cxn>
-              <a:cxn ang="0">
-                <a:pos x="connsiteX1" y="connsiteY1"/>
-              </a:cxn>
-              <a:cxn ang="0">
-                <a:pos x="connsiteX2" y="connsiteY2"/>
-              </a:cxn>
-              <a:cxn ang="0">
-                <a:pos x="connsiteX3" y="connsiteY3"/>
-              </a:cxn>
-              <a:cxn ang="0">
-                <a:pos x="connsiteX4" y="connsiteY4"/>
-              </a:cxn>
-              <a:cxn ang="0">
-                <a:pos x="connsiteX5" y="connsiteY5"/>
-              </a:cxn>
-              <a:cxn ang="0">
-                <a:pos x="connsiteX6" y="connsiteY6"/>
-              </a:cxn>
-              <a:cxn ang="0">
-                <a:pos x="connsiteX7" y="connsiteY7"/>
-              </a:cxn>
-              <a:cxn ang="0">
-                <a:pos x="connsiteX8" y="connsiteY8"/>
-              </a:cxn>
-              <a:cxn ang="0">
-                <a:pos x="connsiteX9" y="connsiteY9"/>
-              </a:cxn>
-              <a:cxn ang="0">
-                <a:pos x="connsiteX10" y="connsiteY10"/>
-              </a:cxn>
-              <a:cxn ang="0">
-                <a:pos x="connsiteX11" y="connsiteY11"/>
-              </a:cxn>
-              <a:cxn ang="0">
-                <a:pos x="connsiteX12" y="connsiteY12"/>
-              </a:cxn>
-              <a:cxn ang="0">
-                <a:pos x="connsiteX13" y="connsiteY13"/>
-              </a:cxn>
-              <a:cxn ang="0">
-                <a:pos x="connsiteX14" y="connsiteY14"/>
-              </a:cxn>
-              <a:cxn ang="0">
-                <a:pos x="connsiteX15" y="connsiteY15"/>
-              </a:cxn>
-              <a:cxn ang="0">
-                <a:pos x="connsiteX16" y="connsiteY16"/>
-              </a:cxn>
-              <a:cxn ang="0">
-                <a:pos x="connsiteX17" y="connsiteY17"/>
-              </a:cxn>
-              <a:cxn ang="0">
-                <a:pos x="connsiteX18" y="connsiteY18"/>
-              </a:cxn>
-            </a:cxnLst>
-            <a:rect l="l" t="t" r="r" b="b"/>
-            <a:pathLst>
-              <a:path w="5410200" h="18288" fill="none" extrusionOk="0">
-                <a:moveTo>
-                  <a:pt x="0" y="0"/>
-                </a:moveTo>
-                <a:cubicBezTo>
-                  <a:pt x="163050" y="-18707"/>
-                  <a:pt x="319321" y="-16364"/>
-                  <a:pt x="568071" y="0"/>
-                </a:cubicBezTo>
-                <a:cubicBezTo>
-                  <a:pt x="816821" y="16364"/>
-                  <a:pt x="1013224" y="-7268"/>
-                  <a:pt x="1298448" y="0"/>
-                </a:cubicBezTo>
-                <a:cubicBezTo>
-                  <a:pt x="1583672" y="7268"/>
-                  <a:pt x="1631711" y="-3367"/>
-                  <a:pt x="1920621" y="0"/>
-                </a:cubicBezTo>
-                <a:cubicBezTo>
-                  <a:pt x="2209531" y="3367"/>
-                  <a:pt x="2364420" y="-19184"/>
-                  <a:pt x="2488692" y="0"/>
-                </a:cubicBezTo>
-                <a:cubicBezTo>
-                  <a:pt x="2612964" y="19184"/>
-                  <a:pt x="3023298" y="-34627"/>
-                  <a:pt x="3219069" y="0"/>
-                </a:cubicBezTo>
-                <a:cubicBezTo>
-                  <a:pt x="3414840" y="34627"/>
-                  <a:pt x="3656810" y="24043"/>
-                  <a:pt x="3895344" y="0"/>
-                </a:cubicBezTo>
-                <a:cubicBezTo>
-                  <a:pt x="4133879" y="-24043"/>
-                  <a:pt x="4393984" y="-19577"/>
-                  <a:pt x="4571619" y="0"/>
-                </a:cubicBezTo>
-                <a:cubicBezTo>
-                  <a:pt x="4749255" y="19577"/>
-                  <a:pt x="5179928" y="-6281"/>
-                  <a:pt x="5410200" y="0"/>
-                </a:cubicBezTo>
-                <a:cubicBezTo>
-                  <a:pt x="5410730" y="6954"/>
-                  <a:pt x="5410934" y="12839"/>
-                  <a:pt x="5410200" y="18288"/>
-                </a:cubicBezTo>
-                <a:cubicBezTo>
-                  <a:pt x="5139060" y="6751"/>
-                  <a:pt x="5121593" y="31035"/>
-                  <a:pt x="4842129" y="18288"/>
-                </a:cubicBezTo>
-                <a:cubicBezTo>
-                  <a:pt x="4562665" y="5541"/>
-                  <a:pt x="4448273" y="9487"/>
-                  <a:pt x="4328160" y="18288"/>
-                </a:cubicBezTo>
-                <a:cubicBezTo>
-                  <a:pt x="4208047" y="27089"/>
-                  <a:pt x="3760936" y="22567"/>
-                  <a:pt x="3597783" y="18288"/>
-                </a:cubicBezTo>
-                <a:cubicBezTo>
-                  <a:pt x="3434630" y="14009"/>
-                  <a:pt x="3299718" y="33213"/>
-                  <a:pt x="3029712" y="18288"/>
-                </a:cubicBezTo>
-                <a:cubicBezTo>
-                  <a:pt x="2759706" y="3363"/>
-                  <a:pt x="2640159" y="27394"/>
-                  <a:pt x="2299335" y="18288"/>
-                </a:cubicBezTo>
-                <a:cubicBezTo>
-                  <a:pt x="1958511" y="9182"/>
-                  <a:pt x="1801186" y="28985"/>
-                  <a:pt x="1514856" y="18288"/>
-                </a:cubicBezTo>
-                <a:cubicBezTo>
-                  <a:pt x="1228526" y="7591"/>
-                  <a:pt x="1063509" y="-5305"/>
-                  <a:pt x="892683" y="18288"/>
-                </a:cubicBezTo>
-                <a:cubicBezTo>
-                  <a:pt x="721857" y="41881"/>
-                  <a:pt x="186945" y="-20897"/>
-                  <a:pt x="0" y="18288"/>
-                </a:cubicBezTo>
-                <a:cubicBezTo>
-                  <a:pt x="-570" y="9279"/>
-                  <a:pt x="132" y="5100"/>
-                  <a:pt x="0" y="0"/>
-                </a:cubicBezTo>
-                <a:close/>
-              </a:path>
-              <a:path w="5410200" h="18288" stroke="0" extrusionOk="0">
-                <a:moveTo>
-                  <a:pt x="0" y="0"/>
-                </a:moveTo>
-                <a:cubicBezTo>
-                  <a:pt x="285096" y="-4925"/>
-                  <a:pt x="376456" y="22268"/>
-                  <a:pt x="622173" y="0"/>
-                </a:cubicBezTo>
-                <a:cubicBezTo>
-                  <a:pt x="867890" y="-22268"/>
-                  <a:pt x="1031392" y="7228"/>
-                  <a:pt x="1136142" y="0"/>
-                </a:cubicBezTo>
-                <a:cubicBezTo>
-                  <a:pt x="1240892" y="-7228"/>
-                  <a:pt x="1561853" y="9877"/>
-                  <a:pt x="1920621" y="0"/>
-                </a:cubicBezTo>
-                <a:cubicBezTo>
-                  <a:pt x="2279389" y="-9877"/>
-                  <a:pt x="2367255" y="19546"/>
-                  <a:pt x="2542794" y="0"/>
-                </a:cubicBezTo>
-                <a:cubicBezTo>
-                  <a:pt x="2718333" y="-19546"/>
-                  <a:pt x="2866732" y="-22226"/>
-                  <a:pt x="3164967" y="0"/>
-                </a:cubicBezTo>
-                <a:cubicBezTo>
-                  <a:pt x="3463202" y="22226"/>
-                  <a:pt x="3568055" y="-2765"/>
-                  <a:pt x="3949446" y="0"/>
-                </a:cubicBezTo>
-                <a:cubicBezTo>
-                  <a:pt x="4330837" y="2765"/>
-                  <a:pt x="4287895" y="10557"/>
-                  <a:pt x="4517517" y="0"/>
-                </a:cubicBezTo>
-                <a:cubicBezTo>
-                  <a:pt x="4747139" y="-10557"/>
-                  <a:pt x="5149588" y="8716"/>
-                  <a:pt x="5410200" y="0"/>
-                </a:cubicBezTo>
-                <a:cubicBezTo>
-                  <a:pt x="5409517" y="5414"/>
-                  <a:pt x="5409480" y="12510"/>
-                  <a:pt x="5410200" y="18288"/>
-                </a:cubicBezTo>
-                <a:cubicBezTo>
-                  <a:pt x="5163327" y="41494"/>
-                  <a:pt x="5008749" y="10693"/>
-                  <a:pt x="4842129" y="18288"/>
-                </a:cubicBezTo>
-                <a:cubicBezTo>
-                  <a:pt x="4675509" y="25883"/>
-                  <a:pt x="4433401" y="-615"/>
-                  <a:pt x="4165854" y="18288"/>
-                </a:cubicBezTo>
-                <a:cubicBezTo>
-                  <a:pt x="3898308" y="37191"/>
-                  <a:pt x="3809032" y="-8710"/>
-                  <a:pt x="3543681" y="18288"/>
-                </a:cubicBezTo>
-                <a:cubicBezTo>
-                  <a:pt x="3278330" y="45286"/>
-                  <a:pt x="3073876" y="-15917"/>
-                  <a:pt x="2759202" y="18288"/>
-                </a:cubicBezTo>
-                <a:cubicBezTo>
-                  <a:pt x="2444528" y="52493"/>
-                  <a:pt x="2204144" y="3372"/>
-                  <a:pt x="1974723" y="18288"/>
-                </a:cubicBezTo>
-                <a:cubicBezTo>
-                  <a:pt x="1745302" y="33204"/>
-                  <a:pt x="1602335" y="31490"/>
-                  <a:pt x="1406652" y="18288"/>
-                </a:cubicBezTo>
-                <a:cubicBezTo>
-                  <a:pt x="1210969" y="5086"/>
-                  <a:pt x="923948" y="3161"/>
-                  <a:pt x="730377" y="18288"/>
-                </a:cubicBezTo>
-                <a:cubicBezTo>
-                  <a:pt x="536806" y="33415"/>
-                  <a:pt x="336496" y="-141"/>
-                  <a:pt x="0" y="18288"/>
-                </a:cubicBezTo>
-                <a:cubicBezTo>
-                  <a:pt x="-306" y="11061"/>
-                  <a:pt x="-655" y="7751"/>
-                  <a:pt x="0" y="0"/>
-                </a:cubicBezTo>
-                <a:close/>
-              </a:path>
-            </a:pathLst>
-          </a:custGeom>
-          <a:solidFill>
-            <a:schemeClr val="accent2"/>
-          </a:solidFill>
-          <a:ln w="41275" cap="rnd">
+          </a:prstGeom>
+          <a:ln w="12700">
             <a:solidFill>
               <a:schemeClr val="accent2"/>
             </a:solidFill>
-            <a:round/>
-            <a:extLst>
-              <a:ext uri="{C807C97D-BFC1-408E-A445-0C87EB9F89A2}">
-                <ask:lineSketchStyleProps xmlns:ask="http://schemas.microsoft.com/office/drawing/2018/sketchyshapes" sd="1219033472">
-                  <a:prstGeom prst="rect">
-                    <a:avLst/>
-                  </a:prstGeom>
-                  <ask:type>
-                    <ask:lineSketchFreehand/>
-                  </ask:type>
-                </ask:lineSketchStyleProps>
-              </a:ext>
-            </a:extLst>
           </a:ln>
         </p:spPr>
         <p:style>
-          <a:lnRef idx="2">
-            <a:schemeClr val="accent1">
-              <a:shade val="50000"/>
-            </a:schemeClr>
+          <a:lnRef idx="1">
+            <a:schemeClr val="accent1"/>
           </a:lnRef>
-          <a:fillRef idx="1">
+          <a:fillRef idx="0">
             <a:schemeClr val="accent1"/>
           </a:fillRef>
           <a:effectRef idx="0">
             <a:schemeClr val="accent1"/>
           </a:effectRef>
           <a:fontRef idx="minor">
-            <a:schemeClr val="lt1"/>
+            <a:schemeClr val="tx1"/>
           </a:fontRef>
         </p:style>
-        <p:txBody>
-          <a:bodyPr rtlCol="0" anchor="ctr"/>
-          <a:lstStyle/>
-          <a:p>
-            <a:pPr algn="ctr"/>
-            <a:endParaRPr lang="pt-BR" dirty="0"/>
-          </a:p>
-        </p:txBody>
-      </p:sp>
+      </p:cxnSp>
+      <p:cxnSp>
+        <p:nvCxnSpPr>
+          <p:cNvPr id="32" name="Straight Connector 31">
+            <a:extLst>
+              <a:ext uri="{FF2B5EF4-FFF2-40B4-BE49-F238E27FC236}">
+                <a16:creationId xmlns:a16="http://schemas.microsoft.com/office/drawing/2014/main" id="{E8439DD6-1CCF-48C6-AF10-B7018793022A}"/>
+              </a:ext>
+              <a:ext uri="{C183D7F6-B498-43B3-948B-1728B52AA6E4}">
+                <adec:decorative xmlns:adec="http://schemas.microsoft.com/office/drawing/2017/decorative" val="1"/>
+              </a:ext>
+            </a:extLst>
+          </p:cNvPr>
+          <p:cNvCxnSpPr>
+            <a:cxnSpLocks noGrp="1" noRot="1" noChangeAspect="1" noMove="1" noResize="1" noEditPoints="1" noAdjustHandles="1" noChangeArrowheads="1" noChangeShapeType="1"/>
+          </p:cNvCxnSpPr>
+          <p:nvPr>
+            <p:extLst>
+              <p:ext uri="{386F3935-93C4-4BCD-93E2-E3B085C9AB24}">
+                <p16:designElem xmlns:p16="http://schemas.microsoft.com/office/powerpoint/2015/main" val="1"/>
+              </p:ext>
+            </p:extLst>
+          </p:nvPr>
+        </p:nvCxnSpPr>
+        <p:spPr>
+          <a:xfrm flipH="1">
+            <a:off x="6360607" y="4859086"/>
+            <a:ext cx="5831393" cy="0"/>
+          </a:xfrm>
+          <a:prstGeom prst="line">
+            <a:avLst/>
+          </a:prstGeom>
+          <a:ln w="12700">
+            <a:solidFill>
+              <a:schemeClr val="accent2"/>
+            </a:solidFill>
+          </a:ln>
+        </p:spPr>
+        <p:style>
+          <a:lnRef idx="1">
+            <a:schemeClr val="accent1"/>
+          </a:lnRef>
+          <a:fillRef idx="0">
+            <a:schemeClr val="accent1"/>
+          </a:fillRef>
+          <a:effectRef idx="0">
+            <a:schemeClr val="accent1"/>
+          </a:effectRef>
+          <a:fontRef idx="minor">
+            <a:schemeClr val="tx1"/>
+          </a:fontRef>
+        </p:style>
+      </p:cxnSp>
     </p:spTree>
     <p:extLst>
       <p:ext uri="{BB962C8B-B14F-4D97-AF65-F5344CB8AC3E}">
@@ -6678,6 +6412,98 @@
   <p:clrMapOvr>
     <a:masterClrMapping/>
   </p:clrMapOvr>
+  <p:timing>
+    <p:tnLst>
+      <p:par>
+        <p:cTn id="1" dur="indefinite" restart="never" nodeType="tmRoot">
+          <p:childTnLst>
+            <p:seq concurrent="1" nextAc="seek">
+              <p:cTn id="2" dur="indefinite" nodeType="mainSeq">
+                <p:childTnLst>
+                  <p:par>
+                    <p:cTn id="3" fill="hold">
+                      <p:stCondLst>
+                        <p:cond delay="indefinite"/>
+                        <p:cond evt="onBegin" delay="0">
+                          <p:tn val="2"/>
+                        </p:cond>
+                      </p:stCondLst>
+                      <p:childTnLst>
+                        <p:par>
+                          <p:cTn id="4" fill="hold">
+                            <p:stCondLst>
+                              <p:cond delay="0"/>
+                            </p:stCondLst>
+                            <p:childTnLst>
+                              <p:par>
+                                <p:cTn id="5" presetID="10" presetClass="entr" presetSubtype="0" fill="hold" grpId="0" nodeType="withEffect">
+                                  <p:stCondLst>
+                                    <p:cond delay="500"/>
+                                  </p:stCondLst>
+                                  <p:iterate type="lt">
+                                    <p:tmPct val="10000"/>
+                                  </p:iterate>
+                                  <p:childTnLst>
+                                    <p:set>
+                                      <p:cBhvr>
+                                        <p:cTn id="6" dur="1" fill="hold">
+                                          <p:stCondLst>
+                                            <p:cond delay="0"/>
+                                          </p:stCondLst>
+                                        </p:cTn>
+                                        <p:tgtEl>
+                                          <p:spTgt spid="2"/>
+                                        </p:tgtEl>
+                                        <p:attrNameLst>
+                                          <p:attrName>style.visibility</p:attrName>
+                                        </p:attrNameLst>
+                                      </p:cBhvr>
+                                      <p:to>
+                                        <p:strVal val="visible"/>
+                                      </p:to>
+                                    </p:set>
+                                    <p:animEffect transition="in" filter="fade">
+                                      <p:cBhvr>
+                                        <p:cTn id="7" dur="400"/>
+                                        <p:tgtEl>
+                                          <p:spTgt spid="2"/>
+                                        </p:tgtEl>
+                                      </p:cBhvr>
+                                    </p:animEffect>
+                                  </p:childTnLst>
+                                </p:cTn>
+                              </p:par>
+                            </p:childTnLst>
+                          </p:cTn>
+                        </p:par>
+                      </p:childTnLst>
+                    </p:cTn>
+                  </p:par>
+                </p:childTnLst>
+              </p:cTn>
+              <p:prevCondLst>
+                <p:cond evt="onPrev" delay="0">
+                  <p:tgtEl>
+                    <p:sldTgt/>
+                  </p:tgtEl>
+                </p:cond>
+              </p:prevCondLst>
+              <p:nextCondLst>
+                <p:cond evt="onNext" delay="0">
+                  <p:tgtEl>
+                    <p:sldTgt/>
+                  </p:tgtEl>
+                </p:cond>
+              </p:nextCondLst>
+            </p:seq>
+          </p:childTnLst>
+        </p:cTn>
+      </p:par>
+    </p:tnLst>
+    <p:bldLst>
+      <p:bldP spid="2" grpId="0"/>
+    </p:bldLst>
+  </p:timing>
 </p:sld>
 </file>
 
@@ -6814,7 +6640,7 @@
               <a:buChar char="•"/>
             </a:pPr>
             <a:r>
-              <a:rPr lang="pt-BR" sz="2400" dirty="0"/>
+              <a:rPr lang="pt-BR" dirty="0"/>
               <a:t>Imagine que você trabalha em um clube que precisa de um jogador para atuar em uma região específica do campo</a:t>
             </a:r>
           </a:p>
@@ -6823,7 +6649,7 @@
               <a:buFont typeface="Arial" panose="020B0604020202020204" pitchFamily="34" charset="0"/>
               <a:buChar char="•"/>
             </a:pPr>
-            <a:endParaRPr lang="pt-BR" sz="2400" dirty="0"/>
+            <a:endParaRPr lang="pt-BR" dirty="0"/>
           </a:p>
           <a:p>
             <a:pPr marL="1028700" lvl="1" indent="-571500" algn="l">
@@ -6831,13 +6657,13 @@
               <a:buChar char="•"/>
             </a:pPr>
             <a:r>
-              <a:rPr lang="pt-BR" sz="2400" dirty="0"/>
+              <a:rPr lang="pt-BR" dirty="0"/>
               <a:t>Podemos buscar na PL 15/16 os atletas que mais geraram valor nessa região do campo</a:t>
             </a:r>
             <a:br>
-              <a:rPr lang="pt-BR" sz="2400" dirty="0"/>
+              <a:rPr lang="pt-BR" dirty="0"/>
             </a:br>
-            <a:endParaRPr lang="pt-BR" sz="2400" dirty="0"/>
+            <a:endParaRPr lang="pt-BR" dirty="0"/>
           </a:p>
           <a:p>
             <a:pPr marL="1028700" lvl="1" indent="-571500" algn="l">
@@ -6845,7 +6671,7 @@
               <a:buChar char="•"/>
             </a:pPr>
             <a:r>
-              <a:rPr lang="pt-BR" sz="2400" dirty="0"/>
+              <a:rPr lang="pt-BR" dirty="0"/>
               <a:t>Por conveniência, vamos separar o valor gerado através de passes e o valor gerado por conduções</a:t>
             </a:r>
           </a:p>
@@ -8061,7 +7887,7 @@
         </p:nvSpPr>
         <p:spPr>
           <a:xfrm>
-            <a:off x="0" y="1381125"/>
+            <a:off x="-65367" y="1917152"/>
             <a:ext cx="12068175" cy="5039772"/>
           </a:xfrm>
         </p:spPr>
@@ -8076,13 +7902,13 @@
               <a:buChar char="•"/>
             </a:pPr>
             <a:r>
-              <a:rPr lang="pt-BR" sz="2400" dirty="0"/>
+              <a:rPr lang="pt-BR" dirty="0"/>
               <a:t>Estamos utilizando a minutagem total pra normalizar. Alguns jogadores podem estar sendo prejudicados por atuarem em mais de uma posição</a:t>
             </a:r>
             <a:br>
-              <a:rPr lang="pt-BR" sz="2400" dirty="0"/>
+              <a:rPr lang="pt-BR" dirty="0"/>
             </a:br>
-            <a:endParaRPr lang="pt-BR" sz="2400" dirty="0"/>
+            <a:endParaRPr lang="pt-BR" dirty="0"/>
           </a:p>
           <a:p>
             <a:pPr marL="1028700" lvl="1" indent="-571500" algn="l">
@@ -8090,13 +7916,13 @@
               <a:buChar char="•"/>
             </a:pPr>
             <a:r>
-              <a:rPr lang="pt-BR" sz="2400" dirty="0"/>
+              <a:rPr lang="pt-BR" dirty="0"/>
               <a:t>Estamos fazendo uma comparação direta entre jogadores inseridos em contextos coletivos distintos</a:t>
             </a:r>
             <a:br>
-              <a:rPr lang="pt-BR" sz="2400" dirty="0"/>
+              <a:rPr lang="pt-BR" dirty="0"/>
             </a:br>
-            <a:endParaRPr lang="pt-BR" sz="2400" dirty="0"/>
+            <a:endParaRPr lang="pt-BR" dirty="0"/>
           </a:p>
           <a:p>
             <a:pPr marL="1028700" lvl="1" indent="-571500" algn="l">
@@ -8104,7 +7930,7 @@
               <a:buChar char="•"/>
             </a:pPr>
             <a:r>
-              <a:rPr lang="pt-BR" sz="2400" dirty="0"/>
+              <a:rPr lang="pt-BR" dirty="0"/>
               <a:t>Reconhecer as limitações de uma abordagem quantitativa é fundamental! Isso não invalida a ideia, mas nos prepara melhor para interpretar os resultados obtidos</a:t>
             </a:r>
             <a:br>
@@ -8338,12 +8164,12 @@
           <a:chExt cx="0" cy="0"/>
         </a:xfrm>
       </p:grpSpPr>
-      <p:sp useBgFill="1">
-        <p:nvSpPr>
-          <p:cNvPr id="13" name="Rectangle 12">
+      <p:sp>
+        <p:nvSpPr>
+          <p:cNvPr id="19" name="Rectangle 18">
             <a:extLst>
               <a:ext uri="{FF2B5EF4-FFF2-40B4-BE49-F238E27FC236}">
-                <a16:creationId xmlns:a16="http://schemas.microsoft.com/office/drawing/2014/main" id="{C77F0C13-E8CA-55A2-20E7-58D5D465A1E5}"/>
+                <a16:creationId xmlns:a16="http://schemas.microsoft.com/office/drawing/2014/main" id="{FB5B0058-AF13-4859-B429-4EDDE2A26F7F}"/>
               </a:ext>
               <a:ext uri="{C183D7F6-B498-43B3-948B-1728B52AA6E4}">
                 <adec:decorative xmlns:adec="http://schemas.microsoft.com/office/drawing/2017/decorative" val="1"/>
@@ -8364,11 +8190,17 @@
         <p:spPr>
           <a:xfrm>
             <a:off x="0" y="0"/>
-            <a:ext cx="12188952" cy="6858000"/>
+            <a:ext cx="12192000" cy="6858000"/>
           </a:xfrm>
           <a:prstGeom prst="rect">
             <a:avLst/>
           </a:prstGeom>
+          <a:solidFill>
+            <a:schemeClr val="tx1">
+              <a:lumMod val="95000"/>
+              <a:lumOff val="5000"/>
+            </a:schemeClr>
+          </a:solidFill>
           <a:ln>
             <a:noFill/>
           </a:ln>
@@ -8394,7 +8226,13 @@
           <a:lstStyle/>
           <a:p>
             <a:pPr algn="ctr"/>
-            <a:endParaRPr lang="pt-BR" dirty="0"/>
+            <a:endParaRPr lang="en-US" dirty="0">
+              <a:solidFill>
+                <a:schemeClr val="bg1">
+                  <a:lumMod val="50000"/>
+                </a:schemeClr>
+              </a:solidFill>
+            </a:endParaRPr>
           </a:p>
         </p:txBody>
       </p:sp>
@@ -8416,47 +8254,43 @@
         </p:nvSpPr>
         <p:spPr>
           <a:xfrm>
-            <a:off x="838200" y="451381"/>
-            <a:ext cx="10512552" cy="4066540"/>
+            <a:off x="1932903" y="949325"/>
+            <a:ext cx="8071706" cy="2387600"/>
           </a:xfrm>
         </p:spPr>
         <p:txBody>
-          <a:bodyPr anchor="b">
+          <a:bodyPr>
             <a:normAutofit/>
           </a:bodyPr>
           <a:lstStyle/>
           <a:p>
             <a:pPr algn="l"/>
             <a:r>
-              <a:rPr lang="pt-BR" sz="6600" dirty="0"/>
-              <a:t>3. Aplicação na análise de adversários: </a:t>
+              <a:rPr lang="pt-BR" sz="5100">
+                <a:solidFill>
+                  <a:schemeClr val="bg1"/>
+                </a:solidFill>
+              </a:rPr>
+              <a:t>3. Aplicação na análise de adversários: clusterizando passes</a:t>
             </a:r>
-            <a:r>
-              <a:rPr lang="pt-BR" sz="6600" dirty="0" err="1"/>
-              <a:t>clusterizando</a:t>
-            </a:r>
-            <a:r>
-              <a:rPr lang="pt-BR" sz="6600" dirty="0"/>
-              <a:t> passes</a:t>
-            </a:r>
-          </a:p>
-        </p:txBody>
-      </p:sp>
-      <p:sp>
-        <p:nvSpPr>
-          <p:cNvPr id="14" name="sketch line">
+          </a:p>
+        </p:txBody>
+      </p:sp>
+      <p:cxnSp>
+        <p:nvCxnSpPr>
+          <p:cNvPr id="21" name="Straight Connector 20">
             <a:extLst>
               <a:ext uri="{FF2B5EF4-FFF2-40B4-BE49-F238E27FC236}">
-                <a16:creationId xmlns:a16="http://schemas.microsoft.com/office/drawing/2014/main" id="{37E06DD3-7F6D-A1AC-0C48-9C8E74E1FABC}"/>
+                <a16:creationId xmlns:a16="http://schemas.microsoft.com/office/drawing/2014/main" id="{EC4521DE-248E-440D-AAD6-FD9E7D34B3BF}"/>
               </a:ext>
               <a:ext uri="{C183D7F6-B498-43B3-948B-1728B52AA6E4}">
                 <adec:decorative xmlns:adec="http://schemas.microsoft.com/office/drawing/2017/decorative" val="1"/>
               </a:ext>
             </a:extLst>
           </p:cNvPr>
-          <p:cNvSpPr>
-            <a:spLocks noGrp="1" noRot="1" noChangeAspect="1" noMove="1" noResize="1" noEditPoints="1" noAdjustHandles="1" noChangeArrowheads="1" noChangeShapeType="1" noTextEdit="1"/>
-          </p:cNvSpPr>
+          <p:cNvCxnSpPr>
+            <a:cxnSpLocks noGrp="1" noRot="1" noChangeAspect="1" noMove="1" noResize="1" noEditPoints="1" noAdjustHandles="1" noChangeArrowheads="1" noChangeShapeType="1"/>
+          </p:cNvCxnSpPr>
           <p:nvPr>
             <p:extLst>
               <p:ext uri="{386F3935-93C4-4BCD-93E2-E3B085C9AB24}">
@@ -8464,357 +8298,88 @@
               </p:ext>
             </p:extLst>
           </p:nvPr>
-        </p:nvSpPr>
+        </p:nvCxnSpPr>
         <p:spPr>
           <a:xfrm>
-            <a:off x="838200" y="4718595"/>
-            <a:ext cx="5410200" cy="18288"/>
+            <a:off x="585285" y="0"/>
+            <a:ext cx="0" cy="6858000"/>
           </a:xfrm>
-          <a:custGeom>
+          <a:prstGeom prst="line">
             <a:avLst/>
-            <a:gdLst>
-              <a:gd name="connsiteX0" fmla="*/ 0 w 5410200"/>
-              <a:gd name="connsiteY0" fmla="*/ 0 h 18288"/>
-              <a:gd name="connsiteX1" fmla="*/ 568071 w 5410200"/>
-              <a:gd name="connsiteY1" fmla="*/ 0 h 18288"/>
-              <a:gd name="connsiteX2" fmla="*/ 1298448 w 5410200"/>
-              <a:gd name="connsiteY2" fmla="*/ 0 h 18288"/>
-              <a:gd name="connsiteX3" fmla="*/ 1920621 w 5410200"/>
-              <a:gd name="connsiteY3" fmla="*/ 0 h 18288"/>
-              <a:gd name="connsiteX4" fmla="*/ 2488692 w 5410200"/>
-              <a:gd name="connsiteY4" fmla="*/ 0 h 18288"/>
-              <a:gd name="connsiteX5" fmla="*/ 3219069 w 5410200"/>
-              <a:gd name="connsiteY5" fmla="*/ 0 h 18288"/>
-              <a:gd name="connsiteX6" fmla="*/ 3895344 w 5410200"/>
-              <a:gd name="connsiteY6" fmla="*/ 0 h 18288"/>
-              <a:gd name="connsiteX7" fmla="*/ 4571619 w 5410200"/>
-              <a:gd name="connsiteY7" fmla="*/ 0 h 18288"/>
-              <a:gd name="connsiteX8" fmla="*/ 5410200 w 5410200"/>
-              <a:gd name="connsiteY8" fmla="*/ 0 h 18288"/>
-              <a:gd name="connsiteX9" fmla="*/ 5410200 w 5410200"/>
-              <a:gd name="connsiteY9" fmla="*/ 18288 h 18288"/>
-              <a:gd name="connsiteX10" fmla="*/ 4842129 w 5410200"/>
-              <a:gd name="connsiteY10" fmla="*/ 18288 h 18288"/>
-              <a:gd name="connsiteX11" fmla="*/ 4328160 w 5410200"/>
-              <a:gd name="connsiteY11" fmla="*/ 18288 h 18288"/>
-              <a:gd name="connsiteX12" fmla="*/ 3597783 w 5410200"/>
-              <a:gd name="connsiteY12" fmla="*/ 18288 h 18288"/>
-              <a:gd name="connsiteX13" fmla="*/ 3029712 w 5410200"/>
-              <a:gd name="connsiteY13" fmla="*/ 18288 h 18288"/>
-              <a:gd name="connsiteX14" fmla="*/ 2299335 w 5410200"/>
-              <a:gd name="connsiteY14" fmla="*/ 18288 h 18288"/>
-              <a:gd name="connsiteX15" fmla="*/ 1514856 w 5410200"/>
-              <a:gd name="connsiteY15" fmla="*/ 18288 h 18288"/>
-              <a:gd name="connsiteX16" fmla="*/ 892683 w 5410200"/>
-              <a:gd name="connsiteY16" fmla="*/ 18288 h 18288"/>
-              <a:gd name="connsiteX17" fmla="*/ 0 w 5410200"/>
-              <a:gd name="connsiteY17" fmla="*/ 18288 h 18288"/>
-              <a:gd name="connsiteX18" fmla="*/ 0 w 5410200"/>
-              <a:gd name="connsiteY18" fmla="*/ 0 h 18288"/>
-            </a:gdLst>
-            <a:ahLst/>
-            <a:cxnLst>
-              <a:cxn ang="0">
-                <a:pos x="connsiteX0" y="connsiteY0"/>
-              </a:cxn>
-              <a:cxn ang="0">
-                <a:pos x="connsiteX1" y="connsiteY1"/>
-              </a:cxn>
-              <a:cxn ang="0">
-                <a:pos x="connsiteX2" y="connsiteY2"/>
-              </a:cxn>
-              <a:cxn ang="0">
-                <a:pos x="connsiteX3" y="connsiteY3"/>
-              </a:cxn>
-              <a:cxn ang="0">
-                <a:pos x="connsiteX4" y="connsiteY4"/>
-              </a:cxn>
-              <a:cxn ang="0">
-                <a:pos x="connsiteX5" y="connsiteY5"/>
-              </a:cxn>
-              <a:cxn ang="0">
-                <a:pos x="connsiteX6" y="connsiteY6"/>
-              </a:cxn>
-              <a:cxn ang="0">
-                <a:pos x="connsiteX7" y="connsiteY7"/>
-              </a:cxn>
-              <a:cxn ang="0">
-                <a:pos x="connsiteX8" y="connsiteY8"/>
-              </a:cxn>
-              <a:cxn ang="0">
-                <a:pos x="connsiteX9" y="connsiteY9"/>
-              </a:cxn>
-              <a:cxn ang="0">
-                <a:pos x="connsiteX10" y="connsiteY10"/>
-              </a:cxn>
-              <a:cxn ang="0">
-                <a:pos x="connsiteX11" y="connsiteY11"/>
-              </a:cxn>
-              <a:cxn ang="0">
-                <a:pos x="connsiteX12" y="connsiteY12"/>
-              </a:cxn>
-              <a:cxn ang="0">
-                <a:pos x="connsiteX13" y="connsiteY13"/>
-              </a:cxn>
-              <a:cxn ang="0">
-                <a:pos x="connsiteX14" y="connsiteY14"/>
-              </a:cxn>
-              <a:cxn ang="0">
-                <a:pos x="connsiteX15" y="connsiteY15"/>
-              </a:cxn>
-              <a:cxn ang="0">
-                <a:pos x="connsiteX16" y="connsiteY16"/>
-              </a:cxn>
-              <a:cxn ang="0">
-                <a:pos x="connsiteX17" y="connsiteY17"/>
-              </a:cxn>
-              <a:cxn ang="0">
-                <a:pos x="connsiteX18" y="connsiteY18"/>
-              </a:cxn>
-            </a:cxnLst>
-            <a:rect l="l" t="t" r="r" b="b"/>
-            <a:pathLst>
-              <a:path w="5410200" h="18288" fill="none" extrusionOk="0">
-                <a:moveTo>
-                  <a:pt x="0" y="0"/>
-                </a:moveTo>
-                <a:cubicBezTo>
-                  <a:pt x="163050" y="-18707"/>
-                  <a:pt x="319321" y="-16364"/>
-                  <a:pt x="568071" y="0"/>
-                </a:cubicBezTo>
-                <a:cubicBezTo>
-                  <a:pt x="816821" y="16364"/>
-                  <a:pt x="1013224" y="-7268"/>
-                  <a:pt x="1298448" y="0"/>
-                </a:cubicBezTo>
-                <a:cubicBezTo>
-                  <a:pt x="1583672" y="7268"/>
-                  <a:pt x="1631711" y="-3367"/>
-                  <a:pt x="1920621" y="0"/>
-                </a:cubicBezTo>
-                <a:cubicBezTo>
-                  <a:pt x="2209531" y="3367"/>
-                  <a:pt x="2364420" y="-19184"/>
-                  <a:pt x="2488692" y="0"/>
-                </a:cubicBezTo>
-                <a:cubicBezTo>
-                  <a:pt x="2612964" y="19184"/>
-                  <a:pt x="3023298" y="-34627"/>
-                  <a:pt x="3219069" y="0"/>
-                </a:cubicBezTo>
-                <a:cubicBezTo>
-                  <a:pt x="3414840" y="34627"/>
-                  <a:pt x="3656810" y="24043"/>
-                  <a:pt x="3895344" y="0"/>
-                </a:cubicBezTo>
-                <a:cubicBezTo>
-                  <a:pt x="4133879" y="-24043"/>
-                  <a:pt x="4393984" y="-19577"/>
-                  <a:pt x="4571619" y="0"/>
-                </a:cubicBezTo>
-                <a:cubicBezTo>
-                  <a:pt x="4749255" y="19577"/>
-                  <a:pt x="5179928" y="-6281"/>
-                  <a:pt x="5410200" y="0"/>
-                </a:cubicBezTo>
-                <a:cubicBezTo>
-                  <a:pt x="5410730" y="6954"/>
-                  <a:pt x="5410934" y="12839"/>
-                  <a:pt x="5410200" y="18288"/>
-                </a:cubicBezTo>
-                <a:cubicBezTo>
-                  <a:pt x="5139060" y="6751"/>
-                  <a:pt x="5121593" y="31035"/>
-                  <a:pt x="4842129" y="18288"/>
-                </a:cubicBezTo>
-                <a:cubicBezTo>
-                  <a:pt x="4562665" y="5541"/>
-                  <a:pt x="4448273" y="9487"/>
-                  <a:pt x="4328160" y="18288"/>
-                </a:cubicBezTo>
-                <a:cubicBezTo>
-                  <a:pt x="4208047" y="27089"/>
-                  <a:pt x="3760936" y="22567"/>
-                  <a:pt x="3597783" y="18288"/>
-                </a:cubicBezTo>
-                <a:cubicBezTo>
-                  <a:pt x="3434630" y="14009"/>
-                  <a:pt x="3299718" y="33213"/>
-                  <a:pt x="3029712" y="18288"/>
-                </a:cubicBezTo>
-                <a:cubicBezTo>
-                  <a:pt x="2759706" y="3363"/>
-                  <a:pt x="2640159" y="27394"/>
-                  <a:pt x="2299335" y="18288"/>
-                </a:cubicBezTo>
-                <a:cubicBezTo>
-                  <a:pt x="1958511" y="9182"/>
-                  <a:pt x="1801186" y="28985"/>
-                  <a:pt x="1514856" y="18288"/>
-                </a:cubicBezTo>
-                <a:cubicBezTo>
-                  <a:pt x="1228526" y="7591"/>
-                  <a:pt x="1063509" y="-5305"/>
-                  <a:pt x="892683" y="18288"/>
-                </a:cubicBezTo>
-                <a:cubicBezTo>
-                  <a:pt x="721857" y="41881"/>
-                  <a:pt x="186945" y="-20897"/>
-                  <a:pt x="0" y="18288"/>
-                </a:cubicBezTo>
-                <a:cubicBezTo>
-                  <a:pt x="-570" y="9279"/>
-                  <a:pt x="132" y="5100"/>
-                  <a:pt x="0" y="0"/>
-                </a:cubicBezTo>
-                <a:close/>
-              </a:path>
-              <a:path w="5410200" h="18288" stroke="0" extrusionOk="0">
-                <a:moveTo>
-                  <a:pt x="0" y="0"/>
-                </a:moveTo>
-                <a:cubicBezTo>
-                  <a:pt x="285096" y="-4925"/>
-                  <a:pt x="376456" y="22268"/>
-                  <a:pt x="622173" y="0"/>
-                </a:cubicBezTo>
-                <a:cubicBezTo>
-                  <a:pt x="867890" y="-22268"/>
-                  <a:pt x="1031392" y="7228"/>
-                  <a:pt x="1136142" y="0"/>
-                </a:cubicBezTo>
-                <a:cubicBezTo>
-                  <a:pt x="1240892" y="-7228"/>
-                  <a:pt x="1561853" y="9877"/>
-                  <a:pt x="1920621" y="0"/>
-                </a:cubicBezTo>
-                <a:cubicBezTo>
-                  <a:pt x="2279389" y="-9877"/>
-                  <a:pt x="2367255" y="19546"/>
-                  <a:pt x="2542794" y="0"/>
-                </a:cubicBezTo>
-                <a:cubicBezTo>
-                  <a:pt x="2718333" y="-19546"/>
-                  <a:pt x="2866732" y="-22226"/>
-                  <a:pt x="3164967" y="0"/>
-                </a:cubicBezTo>
-                <a:cubicBezTo>
-                  <a:pt x="3463202" y="22226"/>
-                  <a:pt x="3568055" y="-2765"/>
-                  <a:pt x="3949446" y="0"/>
-                </a:cubicBezTo>
-                <a:cubicBezTo>
-                  <a:pt x="4330837" y="2765"/>
-                  <a:pt x="4287895" y="10557"/>
-                  <a:pt x="4517517" y="0"/>
-                </a:cubicBezTo>
-                <a:cubicBezTo>
-                  <a:pt x="4747139" y="-10557"/>
-                  <a:pt x="5149588" y="8716"/>
-                  <a:pt x="5410200" y="0"/>
-                </a:cubicBezTo>
-                <a:cubicBezTo>
-                  <a:pt x="5409517" y="5414"/>
-                  <a:pt x="5409480" y="12510"/>
-                  <a:pt x="5410200" y="18288"/>
-                </a:cubicBezTo>
-                <a:cubicBezTo>
-                  <a:pt x="5163327" y="41494"/>
-                  <a:pt x="5008749" y="10693"/>
-                  <a:pt x="4842129" y="18288"/>
-                </a:cubicBezTo>
-                <a:cubicBezTo>
-                  <a:pt x="4675509" y="25883"/>
-                  <a:pt x="4433401" y="-615"/>
-                  <a:pt x="4165854" y="18288"/>
-                </a:cubicBezTo>
-                <a:cubicBezTo>
-                  <a:pt x="3898308" y="37191"/>
-                  <a:pt x="3809032" y="-8710"/>
-                  <a:pt x="3543681" y="18288"/>
-                </a:cubicBezTo>
-                <a:cubicBezTo>
-                  <a:pt x="3278330" y="45286"/>
-                  <a:pt x="3073876" y="-15917"/>
-                  <a:pt x="2759202" y="18288"/>
-                </a:cubicBezTo>
-                <a:cubicBezTo>
-                  <a:pt x="2444528" y="52493"/>
-                  <a:pt x="2204144" y="3372"/>
-                  <a:pt x="1974723" y="18288"/>
-                </a:cubicBezTo>
-                <a:cubicBezTo>
-                  <a:pt x="1745302" y="33204"/>
-                  <a:pt x="1602335" y="31490"/>
-                  <a:pt x="1406652" y="18288"/>
-                </a:cubicBezTo>
-                <a:cubicBezTo>
-                  <a:pt x="1210969" y="5086"/>
-                  <a:pt x="923948" y="3161"/>
-                  <a:pt x="730377" y="18288"/>
-                </a:cubicBezTo>
-                <a:cubicBezTo>
-                  <a:pt x="536806" y="33415"/>
-                  <a:pt x="336496" y="-141"/>
-                  <a:pt x="0" y="18288"/>
-                </a:cubicBezTo>
-                <a:cubicBezTo>
-                  <a:pt x="-306" y="11061"/>
-                  <a:pt x="-655" y="7751"/>
-                  <a:pt x="0" y="0"/>
-                </a:cubicBezTo>
-                <a:close/>
-              </a:path>
-            </a:pathLst>
-          </a:custGeom>
-          <a:solidFill>
-            <a:schemeClr val="accent2"/>
-          </a:solidFill>
-          <a:ln w="41275" cap="rnd">
+          </a:prstGeom>
+          <a:ln w="12700">
             <a:solidFill>
               <a:schemeClr val="accent2"/>
             </a:solidFill>
-            <a:round/>
-            <a:extLst>
-              <a:ext uri="{C807C97D-BFC1-408E-A445-0C87EB9F89A2}">
-                <ask:lineSketchStyleProps xmlns:ask="http://schemas.microsoft.com/office/drawing/2018/sketchyshapes" sd="1219033472">
-                  <a:prstGeom prst="rect">
-                    <a:avLst/>
-                  </a:prstGeom>
-                  <ask:type>
-                    <ask:lineSketchFreehand/>
-                  </ask:type>
-                </ask:lineSketchStyleProps>
-              </a:ext>
-            </a:extLst>
           </a:ln>
         </p:spPr>
         <p:style>
-          <a:lnRef idx="2">
-            <a:schemeClr val="accent1">
-              <a:shade val="50000"/>
-            </a:schemeClr>
+          <a:lnRef idx="1">
+            <a:schemeClr val="accent1"/>
           </a:lnRef>
-          <a:fillRef idx="1">
+          <a:fillRef idx="0">
             <a:schemeClr val="accent1"/>
           </a:fillRef>
           <a:effectRef idx="0">
             <a:schemeClr val="accent1"/>
           </a:effectRef>
           <a:fontRef idx="minor">
-            <a:schemeClr val="lt1"/>
+            <a:schemeClr val="tx1"/>
           </a:fontRef>
         </p:style>
-        <p:txBody>
-          <a:bodyPr rtlCol="0" anchor="ctr"/>
-          <a:lstStyle/>
-          <a:p>
-            <a:pPr algn="ctr"/>
-            <a:endParaRPr lang="pt-BR" dirty="0"/>
-          </a:p>
-        </p:txBody>
-      </p:sp>
+      </p:cxnSp>
+      <p:cxnSp>
+        <p:nvCxnSpPr>
+          <p:cNvPr id="23" name="Straight Connector 22">
+            <a:extLst>
+              <a:ext uri="{FF2B5EF4-FFF2-40B4-BE49-F238E27FC236}">
+                <a16:creationId xmlns:a16="http://schemas.microsoft.com/office/drawing/2014/main" id="{442C13FA-4C0F-42D0-9626-5BA6040D8C31}"/>
+              </a:ext>
+              <a:ext uri="{C183D7F6-B498-43B3-948B-1728B52AA6E4}">
+                <adec:decorative xmlns:adec="http://schemas.microsoft.com/office/drawing/2017/decorative" val="1"/>
+              </a:ext>
+            </a:extLst>
+          </p:cNvPr>
+          <p:cNvCxnSpPr>
+            <a:cxnSpLocks noGrp="1" noRot="1" noChangeAspect="1" noMove="1" noResize="1" noEditPoints="1" noAdjustHandles="1" noChangeArrowheads="1" noChangeShapeType="1"/>
+          </p:cNvCxnSpPr>
+          <p:nvPr>
+            <p:extLst>
+              <p:ext uri="{386F3935-93C4-4BCD-93E2-E3B085C9AB24}">
+                <p16:designElem xmlns:p16="http://schemas.microsoft.com/office/powerpoint/2015/main" val="1"/>
+              </p:ext>
+            </p:extLst>
+          </p:nvPr>
+        </p:nvCxnSpPr>
+        <p:spPr>
+          <a:xfrm flipH="1">
+            <a:off x="0" y="6252485"/>
+            <a:ext cx="12192000" cy="0"/>
+          </a:xfrm>
+          <a:prstGeom prst="line">
+            <a:avLst/>
+          </a:prstGeom>
+          <a:ln w="12700">
+            <a:solidFill>
+              <a:schemeClr val="accent2"/>
+            </a:solidFill>
+          </a:ln>
+        </p:spPr>
+        <p:style>
+          <a:lnRef idx="1">
+            <a:schemeClr val="accent1"/>
+          </a:lnRef>
+          <a:fillRef idx="0">
+            <a:schemeClr val="accent1"/>
+          </a:fillRef>
+          <a:effectRef idx="0">
+            <a:schemeClr val="accent1"/>
+          </a:effectRef>
+          <a:fontRef idx="minor">
+            <a:schemeClr val="tx1"/>
+          </a:fontRef>
+        </p:style>
+      </p:cxnSp>
     </p:spTree>
     <p:extLst>
       <p:ext uri="{BB962C8B-B14F-4D97-AF65-F5344CB8AC3E}">
@@ -8825,6 +8390,98 @@
   <p:clrMapOvr>
     <a:masterClrMapping/>
   </p:clrMapOvr>
+  <p:timing>
+    <p:tnLst>
+      <p:par>
+        <p:cTn id="1" dur="indefinite" restart="never" nodeType="tmRoot">
+          <p:childTnLst>
+            <p:seq concurrent="1" nextAc="seek">
+              <p:cTn id="2" dur="indefinite" nodeType="mainSeq">
+                <p:childTnLst>
+                  <p:par>
+                    <p:cTn id="3" fill="hold">
+                      <p:stCondLst>
+                        <p:cond delay="indefinite"/>
+                        <p:cond evt="onBegin" delay="0">
+                          <p:tn val="2"/>
+                        </p:cond>
+                      </p:stCondLst>
+                      <p:childTnLst>
+                        <p:par>
+                          <p:cTn id="4" fill="hold">
+                            <p:stCondLst>
+                              <p:cond delay="0"/>
+                            </p:stCondLst>
+                            <p:childTnLst>
+                              <p:par>
+                                <p:cTn id="5" presetID="10" presetClass="entr" presetSubtype="0" fill="hold" grpId="0" nodeType="withEffect">
+                                  <p:stCondLst>
+                                    <p:cond delay="500"/>
+                                  </p:stCondLst>
+                                  <p:iterate type="lt">
+                                    <p:tmPct val="10000"/>
+                                  </p:iterate>
+                                  <p:childTnLst>
+                                    <p:set>
+                                      <p:cBhvr>
+                                        <p:cTn id="6" dur="1" fill="hold">
+                                          <p:stCondLst>
+                                            <p:cond delay="0"/>
+                                          </p:stCondLst>
+                                        </p:cTn>
+                                        <p:tgtEl>
+                                          <p:spTgt spid="2"/>
+                                        </p:tgtEl>
+                                        <p:attrNameLst>
+                                          <p:attrName>style.visibility</p:attrName>
+                                        </p:attrNameLst>
+                                      </p:cBhvr>
+                                      <p:to>
+                                        <p:strVal val="visible"/>
+                                      </p:to>
+                                    </p:set>
+                                    <p:animEffect transition="in" filter="fade">
+                                      <p:cBhvr>
+                                        <p:cTn id="7" dur="400"/>
+                                        <p:tgtEl>
+                                          <p:spTgt spid="2"/>
+                                        </p:tgtEl>
+                                      </p:cBhvr>
+                                    </p:animEffect>
+                                  </p:childTnLst>
+                                </p:cTn>
+                              </p:par>
+                            </p:childTnLst>
+                          </p:cTn>
+                        </p:par>
+                      </p:childTnLst>
+                    </p:cTn>
+                  </p:par>
+                </p:childTnLst>
+              </p:cTn>
+              <p:prevCondLst>
+                <p:cond evt="onPrev" delay="0">
+                  <p:tgtEl>
+                    <p:sldTgt/>
+                  </p:tgtEl>
+                </p:cond>
+              </p:prevCondLst>
+              <p:nextCondLst>
+                <p:cond evt="onNext" delay="0">
+                  <p:tgtEl>
+                    <p:sldTgt/>
+                  </p:tgtEl>
+                </p:cond>
+              </p:nextCondLst>
+            </p:seq>
+          </p:childTnLst>
+        </p:cTn>
+      </p:par>
+    </p:tnLst>
+    <p:bldLst>
+      <p:bldP spid="2" grpId="0"/>
+    </p:bldLst>
+  </p:timing>
 </p:sld>
 </file>
 
@@ -9119,69 +8776,69 @@
           <a:p>
             <a:pPr lvl="1"/>
             <a:r>
-              <a:rPr lang="pt-BR" dirty="0"/>
+              <a:rPr lang="pt-BR" sz="2000" dirty="0"/>
               <a:t>Uma demanda tradicional para departamento de dados é caracterizar atletas adversários</a:t>
             </a:r>
             <a:br>
-              <a:rPr lang="pt-BR" dirty="0"/>
+              <a:rPr lang="pt-BR" sz="2000" dirty="0"/>
             </a:br>
-            <a:endParaRPr lang="pt-BR" dirty="0"/>
+            <a:endParaRPr lang="pt-BR" sz="2000" dirty="0"/>
           </a:p>
           <a:p>
             <a:pPr lvl="1"/>
             <a:r>
-              <a:rPr lang="pt-BR" dirty="0"/>
+              <a:rPr lang="pt-BR" sz="2000" dirty="0"/>
               <a:t>Pode ser do interesse da Comissão Técnica ter um resumo visual dos adversários</a:t>
             </a:r>
             <a:br>
-              <a:rPr lang="pt-BR" dirty="0"/>
+              <a:rPr lang="pt-BR" sz="2000" dirty="0"/>
             </a:br>
             <a:br>
-              <a:rPr lang="pt-BR" dirty="0"/>
+              <a:rPr lang="pt-BR" sz="2000" dirty="0"/>
             </a:br>
             <a:br>
-              <a:rPr lang="pt-BR" dirty="0"/>
+              <a:rPr lang="pt-BR" sz="2000" dirty="0"/>
             </a:br>
             <a:br>
-              <a:rPr lang="pt-BR" dirty="0"/>
+              <a:rPr lang="pt-BR" sz="2000" dirty="0"/>
             </a:br>
             <a:br>
-              <a:rPr lang="pt-BR" dirty="0"/>
+              <a:rPr lang="pt-BR" sz="2000" dirty="0"/>
             </a:br>
             <a:br>
-              <a:rPr lang="pt-BR" dirty="0"/>
+              <a:rPr lang="pt-BR" sz="2000" dirty="0"/>
             </a:br>
             <a:br>
-              <a:rPr lang="pt-BR" dirty="0"/>
+              <a:rPr lang="pt-BR" sz="2000" dirty="0"/>
             </a:br>
-            <a:endParaRPr lang="pt-BR" dirty="0"/>
+            <a:endParaRPr lang="pt-BR" sz="2000" dirty="0"/>
           </a:p>
           <a:p>
             <a:pPr lvl="1"/>
             <a:r>
-              <a:rPr lang="pt-BR" dirty="0"/>
+              <a:rPr lang="pt-BR" sz="2000" dirty="0"/>
               <a:t>No nosso caso, temos todas as ações na bola de cada jogador </a:t>
             </a:r>
             <a:br>
-              <a:rPr lang="pt-BR" dirty="0"/>
+              <a:rPr lang="pt-BR" sz="2000" dirty="0"/>
             </a:br>
-            <a:endParaRPr lang="pt-BR" dirty="0"/>
+            <a:endParaRPr lang="pt-BR" sz="2000" dirty="0"/>
           </a:p>
           <a:p>
             <a:pPr lvl="1"/>
             <a:r>
-              <a:rPr lang="pt-BR" dirty="0"/>
+              <a:rPr lang="pt-BR" sz="2000" dirty="0"/>
               <a:t>Além disso, temos o ‘valor’ gerado por cada ação</a:t>
             </a:r>
             <a:br>
-              <a:rPr lang="pt-BR" dirty="0"/>
+              <a:rPr lang="pt-BR" sz="2000" dirty="0"/>
             </a:br>
-            <a:endParaRPr lang="pt-BR" dirty="0"/>
+            <a:endParaRPr lang="pt-BR" sz="2000" dirty="0"/>
           </a:p>
           <a:p>
             <a:pPr lvl="1"/>
             <a:r>
-              <a:rPr lang="pt-BR" dirty="0"/>
+              <a:rPr lang="pt-BR" sz="2000" dirty="0"/>
               <a:t>Vamos desenvolver um método para retratar os passes de jogadores adversários</a:t>
             </a:r>
           </a:p>
@@ -9208,7 +8865,7 @@
         </p:nvGrpSpPr>
         <p:grpSpPr>
           <a:xfrm>
-            <a:off x="2082521" y="2806262"/>
+            <a:off x="2082521" y="2198943"/>
             <a:ext cx="7772400" cy="1647410"/>
             <a:chOff x="1241932" y="3200400"/>
             <a:chExt cx="7772400" cy="1647410"/>
@@ -10056,7 +9713,7 @@
               <a:buChar char="•"/>
             </a:pPr>
             <a:r>
-              <a:rPr lang="pt-BR" sz="2400" dirty="0"/>
+              <a:rPr lang="pt-BR" dirty="0"/>
               <a:t>Algoritmo de clusterização que funciona a partir da definição prévia do número de clusters</a:t>
             </a:r>
           </a:p>
@@ -10065,7 +9722,7 @@
               <a:buFont typeface="Arial" panose="020B0604020202020204" pitchFamily="34" charset="0"/>
               <a:buChar char="•"/>
             </a:pPr>
-            <a:endParaRPr lang="pt-BR" sz="2400" dirty="0"/>
+            <a:endParaRPr lang="pt-BR" dirty="0"/>
           </a:p>
           <a:p>
             <a:pPr marL="1028700" lvl="1" indent="-571500" algn="l">
@@ -10073,7 +9730,7 @@
               <a:buChar char="•"/>
             </a:pPr>
             <a:r>
-              <a:rPr lang="pt-BR" sz="2400" dirty="0"/>
+              <a:rPr lang="pt-BR" dirty="0"/>
               <a:t>Inicializa aleatoriamente e ajusta em iterações subsequentes</a:t>
             </a:r>
           </a:p>
@@ -10446,7 +10103,7 @@
               <a:buChar char="•"/>
             </a:pPr>
             <a:r>
-              <a:rPr lang="pt-BR" sz="2400" dirty="0"/>
+              <a:rPr lang="pt-BR" dirty="0"/>
               <a:t>Algoritmo de clusterização que funciona a partir da definição prévia do número de clusters</a:t>
             </a:r>
           </a:p>
@@ -10455,7 +10112,7 @@
               <a:buFont typeface="Arial" panose="020B0604020202020204" pitchFamily="34" charset="0"/>
               <a:buChar char="•"/>
             </a:pPr>
-            <a:endParaRPr lang="pt-BR" sz="2400" dirty="0"/>
+            <a:endParaRPr lang="pt-BR" dirty="0"/>
           </a:p>
           <a:p>
             <a:pPr marL="1028700" lvl="1" indent="-571500" algn="l">
@@ -10463,7 +10120,7 @@
               <a:buChar char="•"/>
             </a:pPr>
             <a:r>
-              <a:rPr lang="pt-BR" sz="2400" dirty="0"/>
+              <a:rPr lang="pt-BR" dirty="0"/>
               <a:t>Inicializa aleatoriamente e ajusta em iterações subsequentes</a:t>
             </a:r>
           </a:p>
@@ -10554,12 +10211,12 @@
           <a:chExt cx="0" cy="0"/>
         </a:xfrm>
       </p:grpSpPr>
-      <p:sp useBgFill="1">
-        <p:nvSpPr>
-          <p:cNvPr id="14" name="Rectangle 13">
+      <p:sp>
+        <p:nvSpPr>
+          <p:cNvPr id="31" name="Rectangle 30">
             <a:extLst>
               <a:ext uri="{FF2B5EF4-FFF2-40B4-BE49-F238E27FC236}">
-                <a16:creationId xmlns:a16="http://schemas.microsoft.com/office/drawing/2014/main" id="{777A147A-9ED8-46B4-8660-1B3C2AA880B5}"/>
+                <a16:creationId xmlns:a16="http://schemas.microsoft.com/office/drawing/2014/main" id="{A7AE9375-4664-4DB2-922D-2782A6E439AC}"/>
               </a:ext>
               <a:ext uri="{C183D7F6-B498-43B3-948B-1728B52AA6E4}">
                 <adec:decorative xmlns:adec="http://schemas.microsoft.com/office/drawing/2017/decorative" val="1"/>
@@ -10580,11 +10237,17 @@
         <p:spPr>
           <a:xfrm>
             <a:off x="0" y="0"/>
-            <a:ext cx="12188952" cy="6858000"/>
+            <a:ext cx="12192000" cy="6858000"/>
           </a:xfrm>
           <a:prstGeom prst="rect">
             <a:avLst/>
           </a:prstGeom>
+          <a:solidFill>
+            <a:schemeClr val="tx1">
+              <a:lumMod val="95000"/>
+              <a:lumOff val="5000"/>
+            </a:schemeClr>
+          </a:solidFill>
           <a:ln>
             <a:noFill/>
           </a:ln>
@@ -10610,7 +10273,11 @@
           <a:lstStyle/>
           <a:p>
             <a:pPr algn="ctr"/>
-            <a:endParaRPr lang="pt-BR" dirty="0"/>
+            <a:endParaRPr lang="en-US" dirty="0">
+              <a:solidFill>
+                <a:schemeClr val="tx1"/>
+              </a:solidFill>
+            </a:endParaRPr>
           </a:p>
         </p:txBody>
       </p:sp>
@@ -10632,38 +10299,43 @@
         </p:nvSpPr>
         <p:spPr>
           <a:xfrm>
-            <a:off x="841248" y="548640"/>
-            <a:ext cx="3600860" cy="5431536"/>
+            <a:off x="838200" y="669925"/>
+            <a:ext cx="4508946" cy="1325563"/>
           </a:xfrm>
         </p:spPr>
         <p:txBody>
-          <a:bodyPr>
+          <a:bodyPr anchor="b">
             <a:normAutofit/>
           </a:bodyPr>
           <a:lstStyle/>
           <a:p>
+            <a:pPr algn="r"/>
             <a:r>
-              <a:rPr lang="pt-BR" sz="5400" dirty="0"/>
+              <a:rPr lang="pt-BR">
+                <a:solidFill>
+                  <a:schemeClr val="bg1"/>
+                </a:solidFill>
+              </a:rPr>
               <a:t>AGENDA</a:t>
             </a:r>
           </a:p>
         </p:txBody>
       </p:sp>
-      <p:sp>
-        <p:nvSpPr>
-          <p:cNvPr id="15" name="sketch line">
+      <p:cxnSp>
+        <p:nvCxnSpPr>
+          <p:cNvPr id="33" name="Straight Connector 32">
             <a:extLst>
               <a:ext uri="{FF2B5EF4-FFF2-40B4-BE49-F238E27FC236}">
-                <a16:creationId xmlns:a16="http://schemas.microsoft.com/office/drawing/2014/main" id="{5D6C15A0-C087-4593-8414-2B4EC1CDC3DE}"/>
+                <a16:creationId xmlns:a16="http://schemas.microsoft.com/office/drawing/2014/main" id="{EE504C98-6397-41C1-A8D8-2D9C4ED307E0}"/>
               </a:ext>
               <a:ext uri="{C183D7F6-B498-43B3-948B-1728B52AA6E4}">
                 <adec:decorative xmlns:adec="http://schemas.microsoft.com/office/drawing/2017/decorative" val="1"/>
               </a:ext>
             </a:extLst>
           </p:cNvPr>
-          <p:cNvSpPr>
-            <a:spLocks noGrp="1" noRot="1" noChangeAspect="1" noMove="1" noResize="1" noEditPoints="1" noAdjustHandles="1" noChangeArrowheads="1" noChangeShapeType="1" noTextEdit="1"/>
-          </p:cNvSpPr>
+          <p:cNvCxnSpPr>
+            <a:cxnSpLocks noGrp="1" noRot="1" noChangeAspect="1" noMove="1" noResize="1" noEditPoints="1" noAdjustHandles="1" noChangeArrowheads="1" noChangeShapeType="1"/>
+          </p:cNvCxnSpPr>
           <p:nvPr>
             <p:extLst>
               <p:ext uri="{386F3935-93C4-4BCD-93E2-E3B085C9AB24}">
@@ -10671,300 +10343,140 @@
               </p:ext>
             </p:extLst>
           </p:nvPr>
-        </p:nvSpPr>
+        </p:nvCxnSpPr>
         <p:spPr>
-          <a:xfrm rot="5400000">
-            <a:off x="2543983" y="3258715"/>
-            <a:ext cx="4480560" cy="18288"/>
+          <a:xfrm flipH="1">
+            <a:off x="126210" y="2026340"/>
+            <a:ext cx="5220936" cy="0"/>
           </a:xfrm>
-          <a:custGeom>
+          <a:prstGeom prst="line">
             <a:avLst/>
-            <a:gdLst>
-              <a:gd name="connsiteX0" fmla="*/ 0 w 4480560"/>
-              <a:gd name="connsiteY0" fmla="*/ 0 h 18288"/>
-              <a:gd name="connsiteX1" fmla="*/ 595274 w 4480560"/>
-              <a:gd name="connsiteY1" fmla="*/ 0 h 18288"/>
-              <a:gd name="connsiteX2" fmla="*/ 1100938 w 4480560"/>
-              <a:gd name="connsiteY2" fmla="*/ 0 h 18288"/>
-              <a:gd name="connsiteX3" fmla="*/ 1651406 w 4480560"/>
-              <a:gd name="connsiteY3" fmla="*/ 0 h 18288"/>
-              <a:gd name="connsiteX4" fmla="*/ 2336292 w 4480560"/>
-              <a:gd name="connsiteY4" fmla="*/ 0 h 18288"/>
-              <a:gd name="connsiteX5" fmla="*/ 2931566 w 4480560"/>
-              <a:gd name="connsiteY5" fmla="*/ 0 h 18288"/>
-              <a:gd name="connsiteX6" fmla="*/ 3482035 w 4480560"/>
-              <a:gd name="connsiteY6" fmla="*/ 0 h 18288"/>
-              <a:gd name="connsiteX7" fmla="*/ 4480560 w 4480560"/>
-              <a:gd name="connsiteY7" fmla="*/ 0 h 18288"/>
-              <a:gd name="connsiteX8" fmla="*/ 4480560 w 4480560"/>
-              <a:gd name="connsiteY8" fmla="*/ 18288 h 18288"/>
-              <a:gd name="connsiteX9" fmla="*/ 3840480 w 4480560"/>
-              <a:gd name="connsiteY9" fmla="*/ 18288 h 18288"/>
-              <a:gd name="connsiteX10" fmla="*/ 3290011 w 4480560"/>
-              <a:gd name="connsiteY10" fmla="*/ 18288 h 18288"/>
-              <a:gd name="connsiteX11" fmla="*/ 2560320 w 4480560"/>
-              <a:gd name="connsiteY11" fmla="*/ 18288 h 18288"/>
-              <a:gd name="connsiteX12" fmla="*/ 1965046 w 4480560"/>
-              <a:gd name="connsiteY12" fmla="*/ 18288 h 18288"/>
-              <a:gd name="connsiteX13" fmla="*/ 1459382 w 4480560"/>
-              <a:gd name="connsiteY13" fmla="*/ 18288 h 18288"/>
-              <a:gd name="connsiteX14" fmla="*/ 774497 w 4480560"/>
-              <a:gd name="connsiteY14" fmla="*/ 18288 h 18288"/>
-              <a:gd name="connsiteX15" fmla="*/ 0 w 4480560"/>
-              <a:gd name="connsiteY15" fmla="*/ 18288 h 18288"/>
-              <a:gd name="connsiteX16" fmla="*/ 0 w 4480560"/>
-              <a:gd name="connsiteY16" fmla="*/ 0 h 18288"/>
-            </a:gdLst>
-            <a:ahLst/>
-            <a:cxnLst>
-              <a:cxn ang="0">
-                <a:pos x="connsiteX0" y="connsiteY0"/>
-              </a:cxn>
-              <a:cxn ang="0">
-                <a:pos x="connsiteX1" y="connsiteY1"/>
-              </a:cxn>
-              <a:cxn ang="0">
-                <a:pos x="connsiteX2" y="connsiteY2"/>
-              </a:cxn>
-              <a:cxn ang="0">
-                <a:pos x="connsiteX3" y="connsiteY3"/>
-              </a:cxn>
-              <a:cxn ang="0">
-                <a:pos x="connsiteX4" y="connsiteY4"/>
-              </a:cxn>
-              <a:cxn ang="0">
-                <a:pos x="connsiteX5" y="connsiteY5"/>
-              </a:cxn>
-              <a:cxn ang="0">
-                <a:pos x="connsiteX6" y="connsiteY6"/>
-              </a:cxn>
-              <a:cxn ang="0">
-                <a:pos x="connsiteX7" y="connsiteY7"/>
-              </a:cxn>
-              <a:cxn ang="0">
-                <a:pos x="connsiteX8" y="connsiteY8"/>
-              </a:cxn>
-              <a:cxn ang="0">
-                <a:pos x="connsiteX9" y="connsiteY9"/>
-              </a:cxn>
-              <a:cxn ang="0">
-                <a:pos x="connsiteX10" y="connsiteY10"/>
-              </a:cxn>
-              <a:cxn ang="0">
-                <a:pos x="connsiteX11" y="connsiteY11"/>
-              </a:cxn>
-              <a:cxn ang="0">
-                <a:pos x="connsiteX12" y="connsiteY12"/>
-              </a:cxn>
-              <a:cxn ang="0">
-                <a:pos x="connsiteX13" y="connsiteY13"/>
-              </a:cxn>
-              <a:cxn ang="0">
-                <a:pos x="connsiteX14" y="connsiteY14"/>
-              </a:cxn>
-              <a:cxn ang="0">
-                <a:pos x="connsiteX15" y="connsiteY15"/>
-              </a:cxn>
-              <a:cxn ang="0">
-                <a:pos x="connsiteX16" y="connsiteY16"/>
-              </a:cxn>
-            </a:cxnLst>
-            <a:rect l="l" t="t" r="r" b="b"/>
-            <a:pathLst>
-              <a:path w="4480560" h="18288" fill="none" extrusionOk="0">
-                <a:moveTo>
-                  <a:pt x="0" y="0"/>
-                </a:moveTo>
-                <a:cubicBezTo>
-                  <a:pt x="267821" y="8731"/>
-                  <a:pt x="334105" y="2629"/>
-                  <a:pt x="595274" y="0"/>
-                </a:cubicBezTo>
-                <a:cubicBezTo>
-                  <a:pt x="856443" y="-2629"/>
-                  <a:pt x="863808" y="-13353"/>
-                  <a:pt x="1100938" y="0"/>
-                </a:cubicBezTo>
-                <a:cubicBezTo>
-                  <a:pt x="1338068" y="13353"/>
-                  <a:pt x="1431663" y="-25862"/>
-                  <a:pt x="1651406" y="0"/>
-                </a:cubicBezTo>
-                <a:cubicBezTo>
-                  <a:pt x="1871149" y="25862"/>
-                  <a:pt x="2173163" y="23827"/>
-                  <a:pt x="2336292" y="0"/>
-                </a:cubicBezTo>
-                <a:cubicBezTo>
-                  <a:pt x="2499421" y="-23827"/>
-                  <a:pt x="2720589" y="28148"/>
-                  <a:pt x="2931566" y="0"/>
-                </a:cubicBezTo>
-                <a:cubicBezTo>
-                  <a:pt x="3142543" y="-28148"/>
-                  <a:pt x="3323630" y="27022"/>
-                  <a:pt x="3482035" y="0"/>
-                </a:cubicBezTo>
-                <a:cubicBezTo>
-                  <a:pt x="3640440" y="-27022"/>
-                  <a:pt x="4012110" y="-20118"/>
-                  <a:pt x="4480560" y="0"/>
-                </a:cubicBezTo>
-                <a:cubicBezTo>
-                  <a:pt x="4480958" y="7429"/>
-                  <a:pt x="4480540" y="10822"/>
-                  <a:pt x="4480560" y="18288"/>
-                </a:cubicBezTo>
-                <a:cubicBezTo>
-                  <a:pt x="4314132" y="14924"/>
-                  <a:pt x="4028383" y="36632"/>
-                  <a:pt x="3840480" y="18288"/>
-                </a:cubicBezTo>
-                <a:cubicBezTo>
-                  <a:pt x="3652577" y="-56"/>
-                  <a:pt x="3547615" y="2848"/>
-                  <a:pt x="3290011" y="18288"/>
-                </a:cubicBezTo>
-                <a:cubicBezTo>
-                  <a:pt x="3032407" y="33728"/>
-                  <a:pt x="2830268" y="8719"/>
-                  <a:pt x="2560320" y="18288"/>
-                </a:cubicBezTo>
-                <a:cubicBezTo>
-                  <a:pt x="2290372" y="27857"/>
-                  <a:pt x="2147422" y="6728"/>
-                  <a:pt x="1965046" y="18288"/>
-                </a:cubicBezTo>
-                <a:cubicBezTo>
-                  <a:pt x="1782670" y="29848"/>
-                  <a:pt x="1689791" y="40680"/>
-                  <a:pt x="1459382" y="18288"/>
-                </a:cubicBezTo>
-                <a:cubicBezTo>
-                  <a:pt x="1228973" y="-4104"/>
-                  <a:pt x="915486" y="36501"/>
-                  <a:pt x="774497" y="18288"/>
-                </a:cubicBezTo>
-                <a:cubicBezTo>
-                  <a:pt x="633508" y="75"/>
-                  <a:pt x="361442" y="-11107"/>
-                  <a:pt x="0" y="18288"/>
-                </a:cubicBezTo>
-                <a:cubicBezTo>
-                  <a:pt x="-591" y="13205"/>
-                  <a:pt x="-663" y="6329"/>
-                  <a:pt x="0" y="0"/>
-                </a:cubicBezTo>
-                <a:close/>
-              </a:path>
-              <a:path w="4480560" h="18288" stroke="0" extrusionOk="0">
-                <a:moveTo>
-                  <a:pt x="0" y="0"/>
-                </a:moveTo>
-                <a:cubicBezTo>
-                  <a:pt x="285465" y="225"/>
-                  <a:pt x="322691" y="16223"/>
-                  <a:pt x="595274" y="0"/>
-                </a:cubicBezTo>
-                <a:cubicBezTo>
-                  <a:pt x="867857" y="-16223"/>
-                  <a:pt x="989129" y="-11242"/>
-                  <a:pt x="1100938" y="0"/>
-                </a:cubicBezTo>
-                <a:cubicBezTo>
-                  <a:pt x="1212747" y="11242"/>
-                  <a:pt x="1574350" y="-36410"/>
-                  <a:pt x="1830629" y="0"/>
-                </a:cubicBezTo>
-                <a:cubicBezTo>
-                  <a:pt x="2086908" y="36410"/>
-                  <a:pt x="2180922" y="4645"/>
-                  <a:pt x="2425903" y="0"/>
-                </a:cubicBezTo>
-                <a:cubicBezTo>
-                  <a:pt x="2670884" y="-4645"/>
-                  <a:pt x="2782024" y="22929"/>
-                  <a:pt x="3021178" y="0"/>
-                </a:cubicBezTo>
-                <a:cubicBezTo>
-                  <a:pt x="3260332" y="-22929"/>
-                  <a:pt x="3456982" y="-1586"/>
-                  <a:pt x="3750869" y="0"/>
-                </a:cubicBezTo>
-                <a:cubicBezTo>
-                  <a:pt x="4044756" y="1586"/>
-                  <a:pt x="4302726" y="17043"/>
-                  <a:pt x="4480560" y="0"/>
-                </a:cubicBezTo>
-                <a:cubicBezTo>
-                  <a:pt x="4479674" y="5429"/>
-                  <a:pt x="4481381" y="14046"/>
-                  <a:pt x="4480560" y="18288"/>
-                </a:cubicBezTo>
-                <a:cubicBezTo>
-                  <a:pt x="4279652" y="-6850"/>
-                  <a:pt x="4200762" y="41566"/>
-                  <a:pt x="3930091" y="18288"/>
-                </a:cubicBezTo>
-                <a:cubicBezTo>
-                  <a:pt x="3659420" y="-4990"/>
-                  <a:pt x="3456052" y="22294"/>
-                  <a:pt x="3290011" y="18288"/>
-                </a:cubicBezTo>
-                <a:cubicBezTo>
-                  <a:pt x="3123970" y="14282"/>
-                  <a:pt x="2882392" y="32818"/>
-                  <a:pt x="2649931" y="18288"/>
-                </a:cubicBezTo>
-                <a:cubicBezTo>
-                  <a:pt x="2417470" y="3758"/>
-                  <a:pt x="2238426" y="7337"/>
-                  <a:pt x="2054657" y="18288"/>
-                </a:cubicBezTo>
-                <a:cubicBezTo>
-                  <a:pt x="1870888" y="29239"/>
-                  <a:pt x="1566368" y="45040"/>
-                  <a:pt x="1324966" y="18288"/>
-                </a:cubicBezTo>
-                <a:cubicBezTo>
-                  <a:pt x="1083564" y="-8464"/>
-                  <a:pt x="787410" y="10946"/>
-                  <a:pt x="595274" y="18288"/>
-                </a:cubicBezTo>
-                <a:cubicBezTo>
-                  <a:pt x="403138" y="25630"/>
-                  <a:pt x="169622" y="10499"/>
-                  <a:pt x="0" y="18288"/>
-                </a:cubicBezTo>
-                <a:cubicBezTo>
-                  <a:pt x="668" y="13665"/>
-                  <a:pt x="578" y="5675"/>
-                  <a:pt x="0" y="0"/>
-                </a:cubicBezTo>
-                <a:close/>
-              </a:path>
-            </a:pathLst>
-          </a:custGeom>
-          <a:solidFill>
-            <a:schemeClr val="accent2"/>
-          </a:solidFill>
-          <a:ln w="41275" cap="rnd">
+          </a:prstGeom>
+          <a:ln w="12700">
             <a:solidFill>
               <a:schemeClr val="accent2"/>
             </a:solidFill>
-            <a:round/>
+          </a:ln>
+        </p:spPr>
+        <p:style>
+          <a:lnRef idx="1">
+            <a:schemeClr val="accent1"/>
+          </a:lnRef>
+          <a:fillRef idx="0">
+            <a:schemeClr val="accent1"/>
+          </a:fillRef>
+          <a:effectRef idx="0">
+            <a:schemeClr val="accent1"/>
+          </a:effectRef>
+          <a:fontRef idx="minor">
+            <a:schemeClr val="tx1"/>
+          </a:fontRef>
+        </p:style>
+      </p:cxnSp>
+      <p:sp>
+        <p:nvSpPr>
+          <p:cNvPr id="3" name="Content Placeholder 2">
             <a:extLst>
-              <a:ext uri="{C807C97D-BFC1-408E-A445-0C87EB9F89A2}">
-                <ask:lineSketchStyleProps xmlns:ask="http://schemas.microsoft.com/office/drawing/2018/sketchyshapes" sd="1219033472">
-                  <a:prstGeom prst="rect">
-                    <a:avLst/>
-                  </a:prstGeom>
-                  <ask:type>
-                    <ask:lineSketchFreehand/>
-                  </ask:type>
-                </ask:lineSketchStyleProps>
+              <a:ext uri="{FF2B5EF4-FFF2-40B4-BE49-F238E27FC236}">
+                <a16:creationId xmlns:a16="http://schemas.microsoft.com/office/drawing/2014/main" id="{5671D7E5-EF66-4BCD-8DAA-E9061157F0BE}"/>
               </a:ext>
             </a:extLst>
+          </p:cNvPr>
+          <p:cNvSpPr>
+            <a:spLocks noGrp="1"/>
+          </p:cNvSpPr>
+          <p:nvPr>
+            <p:ph idx="1"/>
+          </p:nvPr>
+        </p:nvSpPr>
+        <p:spPr>
+          <a:xfrm>
+            <a:off x="1392667" y="2398957"/>
+            <a:ext cx="9406666" cy="3526144"/>
+          </a:xfrm>
+        </p:spPr>
+        <p:txBody>
+          <a:bodyPr>
+            <a:normAutofit/>
+          </a:bodyPr>
+          <a:lstStyle/>
+          <a:p>
+            <a:pPr marL="0" indent="0">
+              <a:buNone/>
+            </a:pPr>
+            <a:r>
+              <a:rPr lang="pt-BR" sz="2000">
+                <a:solidFill>
+                  <a:schemeClr val="bg1"/>
+                </a:solidFill>
+              </a:rPr>
+              <a:t>1. Dados de evento e avaliação de ações</a:t>
+            </a:r>
+          </a:p>
+          <a:p>
+            <a:pPr marL="0" indent="0">
+              <a:buNone/>
+            </a:pPr>
+            <a:r>
+              <a:rPr lang="pt-BR" sz="2000">
+                <a:solidFill>
+                  <a:schemeClr val="bg1"/>
+                </a:solidFill>
+              </a:rPr>
+              <a:t>2. Aplicação na análise de mercado: valor gerado no meio espaço</a:t>
+            </a:r>
+          </a:p>
+          <a:p>
+            <a:pPr marL="0" indent="0">
+              <a:buNone/>
+            </a:pPr>
+            <a:r>
+              <a:rPr lang="pt-BR" sz="2000">
+                <a:solidFill>
+                  <a:schemeClr val="bg1"/>
+                </a:solidFill>
+              </a:rPr>
+              <a:t>3. Aplicação na análise de adversários: clusterizando passes</a:t>
+            </a:r>
+          </a:p>
+        </p:txBody>
+      </p:sp>
+      <p:sp>
+        <p:nvSpPr>
+          <p:cNvPr id="35" name="Rectangle 34">
+            <a:extLst>
+              <a:ext uri="{FF2B5EF4-FFF2-40B4-BE49-F238E27FC236}">
+                <a16:creationId xmlns:a16="http://schemas.microsoft.com/office/drawing/2014/main" id="{9DD005C1-8C51-42D6-9BEE-B9B83849743D}"/>
+              </a:ext>
+              <a:ext uri="{C183D7F6-B498-43B3-948B-1728B52AA6E4}">
+                <adec:decorative xmlns:adec="http://schemas.microsoft.com/office/drawing/2017/decorative" val="1"/>
+              </a:ext>
+            </a:extLst>
+          </p:cNvPr>
+          <p:cNvSpPr>
+            <a:spLocks noGrp="1" noRot="1" noChangeAspect="1" noMove="1" noResize="1" noEditPoints="1" noAdjustHandles="1" noChangeArrowheads="1" noChangeShapeType="1" noTextEdit="1"/>
+          </p:cNvSpPr>
+          <p:nvPr>
+            <p:extLst>
+              <p:ext uri="{386F3935-93C4-4BCD-93E2-E3B085C9AB24}">
+                <p16:designElem xmlns:p16="http://schemas.microsoft.com/office/powerpoint/2015/main" val="1"/>
+              </p:ext>
+            </p:extLst>
+          </p:nvPr>
+        </p:nvSpPr>
+        <p:spPr>
+          <a:xfrm>
+            <a:off x="126206" y="115193"/>
+            <a:ext cx="11939588" cy="6627614"/>
+          </a:xfrm>
+          <a:prstGeom prst="rect">
+            <a:avLst/>
+          </a:prstGeom>
+          <a:noFill/>
+          <a:ln w="12700">
+            <a:solidFill>
+              <a:schemeClr val="accent2"/>
+            </a:solidFill>
           </a:ln>
         </p:spPr>
         <p:style>
@@ -10988,71 +10500,7 @@
           <a:lstStyle/>
           <a:p>
             <a:pPr algn="ctr"/>
-            <a:endParaRPr lang="pt-BR" dirty="0"/>
-          </a:p>
-        </p:txBody>
-      </p:sp>
-      <p:sp>
-        <p:nvSpPr>
-          <p:cNvPr id="3" name="Content Placeholder 2">
-            <a:extLst>
-              <a:ext uri="{FF2B5EF4-FFF2-40B4-BE49-F238E27FC236}">
-                <a16:creationId xmlns:a16="http://schemas.microsoft.com/office/drawing/2014/main" id="{5671D7E5-EF66-4BCD-8DAA-E9061157F0BE}"/>
-              </a:ext>
-            </a:extLst>
-          </p:cNvPr>
-          <p:cNvSpPr>
-            <a:spLocks noGrp="1"/>
-          </p:cNvSpPr>
-          <p:nvPr>
-            <p:ph idx="1"/>
-          </p:nvPr>
-        </p:nvSpPr>
-        <p:spPr>
-          <a:xfrm>
-            <a:off x="5126418" y="552091"/>
-            <a:ext cx="6224335" cy="5431536"/>
-          </a:xfrm>
-        </p:spPr>
-        <p:txBody>
-          <a:bodyPr anchor="ctr">
-            <a:normAutofit/>
-          </a:bodyPr>
-          <a:lstStyle/>
-          <a:p>
-            <a:pPr marL="0" indent="0">
-              <a:buNone/>
-            </a:pPr>
-            <a:r>
-              <a:rPr lang="pt-BR" sz="2200" dirty="0"/>
-              <a:t>1. Dados de evento e avaliação de ações</a:t>
-            </a:r>
-          </a:p>
-          <a:p>
-            <a:pPr marL="0" indent="0">
-              <a:buNone/>
-            </a:pPr>
-            <a:r>
-              <a:rPr lang="pt-BR" sz="2200" dirty="0"/>
-              <a:t>2. Aplicação na análise de mercado: valor gerado no meio espaço</a:t>
-            </a:r>
-          </a:p>
-          <a:p>
-            <a:pPr marL="0" indent="0">
-              <a:buNone/>
-            </a:pPr>
-            <a:r>
-              <a:rPr lang="pt-BR" sz="2200" dirty="0"/>
-              <a:t>3. Aplicação na análise de adversários: </a:t>
-            </a:r>
-            <a:r>
-              <a:rPr lang="pt-BR" sz="2200" dirty="0" err="1"/>
-              <a:t>clusterizando</a:t>
-            </a:r>
-            <a:r>
-              <a:rPr lang="pt-BR" sz="2200" dirty="0"/>
-              <a:t> passes</a:t>
-            </a:r>
+            <a:endParaRPr lang="en-US"/>
           </a:p>
         </p:txBody>
       </p:sp>
@@ -11090,7 +10538,13 @@
               </a:spcAft>
             </a:pPr>
             <a:fld id="{A49DFD55-3C28-40EF-9E31-A92D2E4017FF}" type="slidenum">
-              <a:rPr lang="pt-BR" smtClean="0"/>
+              <a:rPr lang="pt-BR">
+                <a:solidFill>
+                  <a:schemeClr val="bg1">
+                    <a:lumMod val="50000"/>
+                  </a:schemeClr>
+                </a:solidFill>
+              </a:rPr>
               <a:pPr>
                 <a:spcAft>
                   <a:spcPts val="600"/>
@@ -11098,7 +10552,13 @@
               </a:pPr>
               <a:t>2</a:t>
             </a:fld>
-            <a:endParaRPr lang="pt-BR" dirty="0"/>
+            <a:endParaRPr lang="pt-BR">
+              <a:solidFill>
+                <a:schemeClr val="bg1">
+                  <a:lumMod val="50000"/>
+                </a:schemeClr>
+              </a:solidFill>
+            </a:endParaRPr>
           </a:p>
         </p:txBody>
       </p:sp>
@@ -11725,7 +11185,7 @@
               <a:buChar char="•"/>
             </a:pPr>
             <a:r>
-              <a:rPr lang="pt-BR" sz="2400" dirty="0"/>
+              <a:rPr lang="pt-BR" dirty="0"/>
               <a:t>Nessa abordagem, cada ponto é inicializado como um cluster individual. Pouco a pouco, pontos próximos vão sendo agrupados</a:t>
             </a:r>
           </a:p>
@@ -11734,7 +11194,7 @@
               <a:buFont typeface="Arial" panose="020B0604020202020204" pitchFamily="34" charset="0"/>
               <a:buChar char="•"/>
             </a:pPr>
-            <a:endParaRPr lang="pt-BR" sz="2400" dirty="0"/>
+            <a:endParaRPr lang="pt-BR" dirty="0"/>
           </a:p>
           <a:p>
             <a:pPr marL="1028700" lvl="1" indent="-571500" algn="l">
@@ -11742,7 +11202,7 @@
               <a:buChar char="•"/>
             </a:pPr>
             <a:r>
-              <a:rPr lang="pt-BR" sz="2400" dirty="0"/>
+              <a:rPr lang="pt-BR" dirty="0"/>
               <a:t>O processo para quando um limite de variabilidade dentro de cada cluster é atingido</a:t>
             </a:r>
           </a:p>
@@ -12996,12 +12456,12 @@
           <a:chExt cx="0" cy="0"/>
         </a:xfrm>
       </p:grpSpPr>
-      <p:sp useBgFill="1">
-        <p:nvSpPr>
-          <p:cNvPr id="13" name="Rectangle 12">
+      <p:sp>
+        <p:nvSpPr>
+          <p:cNvPr id="30" name="Rectangle 29">
             <a:extLst>
               <a:ext uri="{FF2B5EF4-FFF2-40B4-BE49-F238E27FC236}">
-                <a16:creationId xmlns:a16="http://schemas.microsoft.com/office/drawing/2014/main" id="{943CAA20-3569-4189-9E48-239A229A86CA}"/>
+                <a16:creationId xmlns:a16="http://schemas.microsoft.com/office/drawing/2014/main" id="{FB5B0058-AF13-4859-B429-4EDDE2A26F7F}"/>
               </a:ext>
               <a:ext uri="{C183D7F6-B498-43B3-948B-1728B52AA6E4}">
                 <adec:decorative xmlns:adec="http://schemas.microsoft.com/office/drawing/2017/decorative" val="1"/>
@@ -13022,11 +12482,17 @@
         <p:spPr>
           <a:xfrm>
             <a:off x="0" y="0"/>
-            <a:ext cx="12188952" cy="6858000"/>
+            <a:ext cx="12192000" cy="6858000"/>
           </a:xfrm>
           <a:prstGeom prst="rect">
             <a:avLst/>
           </a:prstGeom>
+          <a:solidFill>
+            <a:schemeClr val="tx1">
+              <a:lumMod val="95000"/>
+              <a:lumOff val="5000"/>
+            </a:schemeClr>
+          </a:solidFill>
           <a:ln>
             <a:noFill/>
           </a:ln>
@@ -13052,7 +12518,13 @@
           <a:lstStyle/>
           <a:p>
             <a:pPr algn="ctr"/>
-            <a:endParaRPr lang="pt-BR" dirty="0"/>
+            <a:endParaRPr lang="en-US" dirty="0">
+              <a:solidFill>
+                <a:schemeClr val="bg1">
+                  <a:lumMod val="50000"/>
+                </a:schemeClr>
+              </a:solidFill>
+            </a:endParaRPr>
           </a:p>
         </p:txBody>
       </p:sp>
@@ -13074,39 +12546,43 @@
         </p:nvSpPr>
         <p:spPr>
           <a:xfrm>
-            <a:off x="838200" y="451381"/>
-            <a:ext cx="10512552" cy="4066540"/>
+            <a:off x="1932903" y="949325"/>
+            <a:ext cx="8071706" cy="2387600"/>
           </a:xfrm>
         </p:spPr>
         <p:txBody>
-          <a:bodyPr anchor="b">
+          <a:bodyPr>
             <a:normAutofit/>
           </a:bodyPr>
           <a:lstStyle/>
           <a:p>
             <a:pPr algn="l"/>
             <a:r>
-              <a:rPr lang="pt-BR" sz="6600" dirty="0"/>
+              <a:rPr lang="pt-BR" sz="6600">
+                <a:solidFill>
+                  <a:schemeClr val="bg1"/>
+                </a:solidFill>
+              </a:rPr>
               <a:t>1. Dados de evento e avaliação de ações</a:t>
             </a:r>
           </a:p>
         </p:txBody>
       </p:sp>
-      <p:sp>
-        <p:nvSpPr>
-          <p:cNvPr id="14" name="sketch line">
+      <p:cxnSp>
+        <p:nvCxnSpPr>
+          <p:cNvPr id="32" name="Straight Connector 31">
             <a:extLst>
               <a:ext uri="{FF2B5EF4-FFF2-40B4-BE49-F238E27FC236}">
-                <a16:creationId xmlns:a16="http://schemas.microsoft.com/office/drawing/2014/main" id="{DA542B6D-E775-4832-91DC-2D20F857813A}"/>
+                <a16:creationId xmlns:a16="http://schemas.microsoft.com/office/drawing/2014/main" id="{EC4521DE-248E-440D-AAD6-FD9E7D34B3BF}"/>
               </a:ext>
               <a:ext uri="{C183D7F6-B498-43B3-948B-1728B52AA6E4}">
                 <adec:decorative xmlns:adec="http://schemas.microsoft.com/office/drawing/2017/decorative" val="1"/>
               </a:ext>
             </a:extLst>
           </p:cNvPr>
-          <p:cNvSpPr>
-            <a:spLocks noGrp="1" noRot="1" noChangeAspect="1" noMove="1" noResize="1" noEditPoints="1" noAdjustHandles="1" noChangeArrowheads="1" noChangeShapeType="1" noTextEdit="1"/>
-          </p:cNvSpPr>
+          <p:cNvCxnSpPr>
+            <a:cxnSpLocks noGrp="1" noRot="1" noChangeAspect="1" noMove="1" noResize="1" noEditPoints="1" noAdjustHandles="1" noChangeArrowheads="1" noChangeShapeType="1"/>
+          </p:cNvCxnSpPr>
           <p:nvPr>
             <p:extLst>
               <p:ext uri="{386F3935-93C4-4BCD-93E2-E3B085C9AB24}">
@@ -13114,357 +12590,88 @@
               </p:ext>
             </p:extLst>
           </p:nvPr>
-        </p:nvSpPr>
+        </p:nvCxnSpPr>
         <p:spPr>
           <a:xfrm>
-            <a:off x="838200" y="4718595"/>
-            <a:ext cx="5410200" cy="18288"/>
+            <a:off x="585285" y="0"/>
+            <a:ext cx="0" cy="6858000"/>
           </a:xfrm>
-          <a:custGeom>
+          <a:prstGeom prst="line">
             <a:avLst/>
-            <a:gdLst>
-              <a:gd name="connsiteX0" fmla="*/ 0 w 5410200"/>
-              <a:gd name="connsiteY0" fmla="*/ 0 h 18288"/>
-              <a:gd name="connsiteX1" fmla="*/ 568071 w 5410200"/>
-              <a:gd name="connsiteY1" fmla="*/ 0 h 18288"/>
-              <a:gd name="connsiteX2" fmla="*/ 1298448 w 5410200"/>
-              <a:gd name="connsiteY2" fmla="*/ 0 h 18288"/>
-              <a:gd name="connsiteX3" fmla="*/ 1920621 w 5410200"/>
-              <a:gd name="connsiteY3" fmla="*/ 0 h 18288"/>
-              <a:gd name="connsiteX4" fmla="*/ 2488692 w 5410200"/>
-              <a:gd name="connsiteY4" fmla="*/ 0 h 18288"/>
-              <a:gd name="connsiteX5" fmla="*/ 3219069 w 5410200"/>
-              <a:gd name="connsiteY5" fmla="*/ 0 h 18288"/>
-              <a:gd name="connsiteX6" fmla="*/ 3895344 w 5410200"/>
-              <a:gd name="connsiteY6" fmla="*/ 0 h 18288"/>
-              <a:gd name="connsiteX7" fmla="*/ 4571619 w 5410200"/>
-              <a:gd name="connsiteY7" fmla="*/ 0 h 18288"/>
-              <a:gd name="connsiteX8" fmla="*/ 5410200 w 5410200"/>
-              <a:gd name="connsiteY8" fmla="*/ 0 h 18288"/>
-              <a:gd name="connsiteX9" fmla="*/ 5410200 w 5410200"/>
-              <a:gd name="connsiteY9" fmla="*/ 18288 h 18288"/>
-              <a:gd name="connsiteX10" fmla="*/ 4842129 w 5410200"/>
-              <a:gd name="connsiteY10" fmla="*/ 18288 h 18288"/>
-              <a:gd name="connsiteX11" fmla="*/ 4328160 w 5410200"/>
-              <a:gd name="connsiteY11" fmla="*/ 18288 h 18288"/>
-              <a:gd name="connsiteX12" fmla="*/ 3597783 w 5410200"/>
-              <a:gd name="connsiteY12" fmla="*/ 18288 h 18288"/>
-              <a:gd name="connsiteX13" fmla="*/ 3029712 w 5410200"/>
-              <a:gd name="connsiteY13" fmla="*/ 18288 h 18288"/>
-              <a:gd name="connsiteX14" fmla="*/ 2299335 w 5410200"/>
-              <a:gd name="connsiteY14" fmla="*/ 18288 h 18288"/>
-              <a:gd name="connsiteX15" fmla="*/ 1514856 w 5410200"/>
-              <a:gd name="connsiteY15" fmla="*/ 18288 h 18288"/>
-              <a:gd name="connsiteX16" fmla="*/ 892683 w 5410200"/>
-              <a:gd name="connsiteY16" fmla="*/ 18288 h 18288"/>
-              <a:gd name="connsiteX17" fmla="*/ 0 w 5410200"/>
-              <a:gd name="connsiteY17" fmla="*/ 18288 h 18288"/>
-              <a:gd name="connsiteX18" fmla="*/ 0 w 5410200"/>
-              <a:gd name="connsiteY18" fmla="*/ 0 h 18288"/>
-            </a:gdLst>
-            <a:ahLst/>
-            <a:cxnLst>
-              <a:cxn ang="0">
-                <a:pos x="connsiteX0" y="connsiteY0"/>
-              </a:cxn>
-              <a:cxn ang="0">
-                <a:pos x="connsiteX1" y="connsiteY1"/>
-              </a:cxn>
-              <a:cxn ang="0">
-                <a:pos x="connsiteX2" y="connsiteY2"/>
-              </a:cxn>
-              <a:cxn ang="0">
-                <a:pos x="connsiteX3" y="connsiteY3"/>
-              </a:cxn>
-              <a:cxn ang="0">
-                <a:pos x="connsiteX4" y="connsiteY4"/>
-              </a:cxn>
-              <a:cxn ang="0">
-                <a:pos x="connsiteX5" y="connsiteY5"/>
-              </a:cxn>
-              <a:cxn ang="0">
-                <a:pos x="connsiteX6" y="connsiteY6"/>
-              </a:cxn>
-              <a:cxn ang="0">
-                <a:pos x="connsiteX7" y="connsiteY7"/>
-              </a:cxn>
-              <a:cxn ang="0">
-                <a:pos x="connsiteX8" y="connsiteY8"/>
-              </a:cxn>
-              <a:cxn ang="0">
-                <a:pos x="connsiteX9" y="connsiteY9"/>
-              </a:cxn>
-              <a:cxn ang="0">
-                <a:pos x="connsiteX10" y="connsiteY10"/>
-              </a:cxn>
-              <a:cxn ang="0">
-                <a:pos x="connsiteX11" y="connsiteY11"/>
-              </a:cxn>
-              <a:cxn ang="0">
-                <a:pos x="connsiteX12" y="connsiteY12"/>
-              </a:cxn>
-              <a:cxn ang="0">
-                <a:pos x="connsiteX13" y="connsiteY13"/>
-              </a:cxn>
-              <a:cxn ang="0">
-                <a:pos x="connsiteX14" y="connsiteY14"/>
-              </a:cxn>
-              <a:cxn ang="0">
-                <a:pos x="connsiteX15" y="connsiteY15"/>
-              </a:cxn>
-              <a:cxn ang="0">
-                <a:pos x="connsiteX16" y="connsiteY16"/>
-              </a:cxn>
-              <a:cxn ang="0">
-                <a:pos x="connsiteX17" y="connsiteY17"/>
-              </a:cxn>
-              <a:cxn ang="0">
-                <a:pos x="connsiteX18" y="connsiteY18"/>
-              </a:cxn>
-            </a:cxnLst>
-            <a:rect l="l" t="t" r="r" b="b"/>
-            <a:pathLst>
-              <a:path w="5410200" h="18288" fill="none" extrusionOk="0">
-                <a:moveTo>
-                  <a:pt x="0" y="0"/>
-                </a:moveTo>
-                <a:cubicBezTo>
-                  <a:pt x="163050" y="-18707"/>
-                  <a:pt x="319321" y="-16364"/>
-                  <a:pt x="568071" y="0"/>
-                </a:cubicBezTo>
-                <a:cubicBezTo>
-                  <a:pt x="816821" y="16364"/>
-                  <a:pt x="1013224" y="-7268"/>
-                  <a:pt x="1298448" y="0"/>
-                </a:cubicBezTo>
-                <a:cubicBezTo>
-                  <a:pt x="1583672" y="7268"/>
-                  <a:pt x="1631711" y="-3367"/>
-                  <a:pt x="1920621" y="0"/>
-                </a:cubicBezTo>
-                <a:cubicBezTo>
-                  <a:pt x="2209531" y="3367"/>
-                  <a:pt x="2364420" y="-19184"/>
-                  <a:pt x="2488692" y="0"/>
-                </a:cubicBezTo>
-                <a:cubicBezTo>
-                  <a:pt x="2612964" y="19184"/>
-                  <a:pt x="3023298" y="-34627"/>
-                  <a:pt x="3219069" y="0"/>
-                </a:cubicBezTo>
-                <a:cubicBezTo>
-                  <a:pt x="3414840" y="34627"/>
-                  <a:pt x="3656810" y="24043"/>
-                  <a:pt x="3895344" y="0"/>
-                </a:cubicBezTo>
-                <a:cubicBezTo>
-                  <a:pt x="4133879" y="-24043"/>
-                  <a:pt x="4393984" y="-19577"/>
-                  <a:pt x="4571619" y="0"/>
-                </a:cubicBezTo>
-                <a:cubicBezTo>
-                  <a:pt x="4749255" y="19577"/>
-                  <a:pt x="5179928" y="-6281"/>
-                  <a:pt x="5410200" y="0"/>
-                </a:cubicBezTo>
-                <a:cubicBezTo>
-                  <a:pt x="5410730" y="6954"/>
-                  <a:pt x="5410934" y="12839"/>
-                  <a:pt x="5410200" y="18288"/>
-                </a:cubicBezTo>
-                <a:cubicBezTo>
-                  <a:pt x="5139060" y="6751"/>
-                  <a:pt x="5121593" y="31035"/>
-                  <a:pt x="4842129" y="18288"/>
-                </a:cubicBezTo>
-                <a:cubicBezTo>
-                  <a:pt x="4562665" y="5541"/>
-                  <a:pt x="4448273" y="9487"/>
-                  <a:pt x="4328160" y="18288"/>
-                </a:cubicBezTo>
-                <a:cubicBezTo>
-                  <a:pt x="4208047" y="27089"/>
-                  <a:pt x="3760936" y="22567"/>
-                  <a:pt x="3597783" y="18288"/>
-                </a:cubicBezTo>
-                <a:cubicBezTo>
-                  <a:pt x="3434630" y="14009"/>
-                  <a:pt x="3299718" y="33213"/>
-                  <a:pt x="3029712" y="18288"/>
-                </a:cubicBezTo>
-                <a:cubicBezTo>
-                  <a:pt x="2759706" y="3363"/>
-                  <a:pt x="2640159" y="27394"/>
-                  <a:pt x="2299335" y="18288"/>
-                </a:cubicBezTo>
-                <a:cubicBezTo>
-                  <a:pt x="1958511" y="9182"/>
-                  <a:pt x="1801186" y="28985"/>
-                  <a:pt x="1514856" y="18288"/>
-                </a:cubicBezTo>
-                <a:cubicBezTo>
-                  <a:pt x="1228526" y="7591"/>
-                  <a:pt x="1063509" y="-5305"/>
-                  <a:pt x="892683" y="18288"/>
-                </a:cubicBezTo>
-                <a:cubicBezTo>
-                  <a:pt x="721857" y="41881"/>
-                  <a:pt x="186945" y="-20897"/>
-                  <a:pt x="0" y="18288"/>
-                </a:cubicBezTo>
-                <a:cubicBezTo>
-                  <a:pt x="-570" y="9279"/>
-                  <a:pt x="132" y="5100"/>
-                  <a:pt x="0" y="0"/>
-                </a:cubicBezTo>
-                <a:close/>
-              </a:path>
-              <a:path w="5410200" h="18288" stroke="0" extrusionOk="0">
-                <a:moveTo>
-                  <a:pt x="0" y="0"/>
-                </a:moveTo>
-                <a:cubicBezTo>
-                  <a:pt x="285096" y="-4925"/>
-                  <a:pt x="376456" y="22268"/>
-                  <a:pt x="622173" y="0"/>
-                </a:cubicBezTo>
-                <a:cubicBezTo>
-                  <a:pt x="867890" y="-22268"/>
-                  <a:pt x="1031392" y="7228"/>
-                  <a:pt x="1136142" y="0"/>
-                </a:cubicBezTo>
-                <a:cubicBezTo>
-                  <a:pt x="1240892" y="-7228"/>
-                  <a:pt x="1561853" y="9877"/>
-                  <a:pt x="1920621" y="0"/>
-                </a:cubicBezTo>
-                <a:cubicBezTo>
-                  <a:pt x="2279389" y="-9877"/>
-                  <a:pt x="2367255" y="19546"/>
-                  <a:pt x="2542794" y="0"/>
-                </a:cubicBezTo>
-                <a:cubicBezTo>
-                  <a:pt x="2718333" y="-19546"/>
-                  <a:pt x="2866732" y="-22226"/>
-                  <a:pt x="3164967" y="0"/>
-                </a:cubicBezTo>
-                <a:cubicBezTo>
-                  <a:pt x="3463202" y="22226"/>
-                  <a:pt x="3568055" y="-2765"/>
-                  <a:pt x="3949446" y="0"/>
-                </a:cubicBezTo>
-                <a:cubicBezTo>
-                  <a:pt x="4330837" y="2765"/>
-                  <a:pt x="4287895" y="10557"/>
-                  <a:pt x="4517517" y="0"/>
-                </a:cubicBezTo>
-                <a:cubicBezTo>
-                  <a:pt x="4747139" y="-10557"/>
-                  <a:pt x="5149588" y="8716"/>
-                  <a:pt x="5410200" y="0"/>
-                </a:cubicBezTo>
-                <a:cubicBezTo>
-                  <a:pt x="5409517" y="5414"/>
-                  <a:pt x="5409480" y="12510"/>
-                  <a:pt x="5410200" y="18288"/>
-                </a:cubicBezTo>
-                <a:cubicBezTo>
-                  <a:pt x="5163327" y="41494"/>
-                  <a:pt x="5008749" y="10693"/>
-                  <a:pt x="4842129" y="18288"/>
-                </a:cubicBezTo>
-                <a:cubicBezTo>
-                  <a:pt x="4675509" y="25883"/>
-                  <a:pt x="4433401" y="-615"/>
-                  <a:pt x="4165854" y="18288"/>
-                </a:cubicBezTo>
-                <a:cubicBezTo>
-                  <a:pt x="3898308" y="37191"/>
-                  <a:pt x="3809032" y="-8710"/>
-                  <a:pt x="3543681" y="18288"/>
-                </a:cubicBezTo>
-                <a:cubicBezTo>
-                  <a:pt x="3278330" y="45286"/>
-                  <a:pt x="3073876" y="-15917"/>
-                  <a:pt x="2759202" y="18288"/>
-                </a:cubicBezTo>
-                <a:cubicBezTo>
-                  <a:pt x="2444528" y="52493"/>
-                  <a:pt x="2204144" y="3372"/>
-                  <a:pt x="1974723" y="18288"/>
-                </a:cubicBezTo>
-                <a:cubicBezTo>
-                  <a:pt x="1745302" y="33204"/>
-                  <a:pt x="1602335" y="31490"/>
-                  <a:pt x="1406652" y="18288"/>
-                </a:cubicBezTo>
-                <a:cubicBezTo>
-                  <a:pt x="1210969" y="5086"/>
-                  <a:pt x="923948" y="3161"/>
-                  <a:pt x="730377" y="18288"/>
-                </a:cubicBezTo>
-                <a:cubicBezTo>
-                  <a:pt x="536806" y="33415"/>
-                  <a:pt x="336496" y="-141"/>
-                  <a:pt x="0" y="18288"/>
-                </a:cubicBezTo>
-                <a:cubicBezTo>
-                  <a:pt x="-306" y="11061"/>
-                  <a:pt x="-655" y="7751"/>
-                  <a:pt x="0" y="0"/>
-                </a:cubicBezTo>
-                <a:close/>
-              </a:path>
-            </a:pathLst>
-          </a:custGeom>
-          <a:solidFill>
-            <a:schemeClr val="accent2"/>
-          </a:solidFill>
-          <a:ln w="41275" cap="rnd">
+          </a:prstGeom>
+          <a:ln w="12700">
             <a:solidFill>
               <a:schemeClr val="accent2"/>
             </a:solidFill>
-            <a:round/>
-            <a:extLst>
-              <a:ext uri="{C807C97D-BFC1-408E-A445-0C87EB9F89A2}">
-                <ask:lineSketchStyleProps xmlns:ask="http://schemas.microsoft.com/office/drawing/2018/sketchyshapes" sd="1219033472">
-                  <a:prstGeom prst="rect">
-                    <a:avLst/>
-                  </a:prstGeom>
-                  <ask:type>
-                    <ask:lineSketchFreehand/>
-                  </ask:type>
-                </ask:lineSketchStyleProps>
-              </a:ext>
-            </a:extLst>
           </a:ln>
         </p:spPr>
         <p:style>
-          <a:lnRef idx="2">
-            <a:schemeClr val="accent1">
-              <a:shade val="50000"/>
-            </a:schemeClr>
+          <a:lnRef idx="1">
+            <a:schemeClr val="accent1"/>
           </a:lnRef>
-          <a:fillRef idx="1">
+          <a:fillRef idx="0">
             <a:schemeClr val="accent1"/>
           </a:fillRef>
           <a:effectRef idx="0">
             <a:schemeClr val="accent1"/>
           </a:effectRef>
           <a:fontRef idx="minor">
-            <a:schemeClr val="lt1"/>
+            <a:schemeClr val="tx1"/>
           </a:fontRef>
         </p:style>
-        <p:txBody>
-          <a:bodyPr rtlCol="0" anchor="ctr"/>
-          <a:lstStyle/>
-          <a:p>
-            <a:pPr algn="ctr"/>
-            <a:endParaRPr lang="pt-BR" dirty="0"/>
-          </a:p>
-        </p:txBody>
-      </p:sp>
+      </p:cxnSp>
+      <p:cxnSp>
+        <p:nvCxnSpPr>
+          <p:cNvPr id="34" name="Straight Connector 33">
+            <a:extLst>
+              <a:ext uri="{FF2B5EF4-FFF2-40B4-BE49-F238E27FC236}">
+                <a16:creationId xmlns:a16="http://schemas.microsoft.com/office/drawing/2014/main" id="{442C13FA-4C0F-42D0-9626-5BA6040D8C31}"/>
+              </a:ext>
+              <a:ext uri="{C183D7F6-B498-43B3-948B-1728B52AA6E4}">
+                <adec:decorative xmlns:adec="http://schemas.microsoft.com/office/drawing/2017/decorative" val="1"/>
+              </a:ext>
+            </a:extLst>
+          </p:cNvPr>
+          <p:cNvCxnSpPr>
+            <a:cxnSpLocks noGrp="1" noRot="1" noChangeAspect="1" noMove="1" noResize="1" noEditPoints="1" noAdjustHandles="1" noChangeArrowheads="1" noChangeShapeType="1"/>
+          </p:cNvCxnSpPr>
+          <p:nvPr>
+            <p:extLst>
+              <p:ext uri="{386F3935-93C4-4BCD-93E2-E3B085C9AB24}">
+                <p16:designElem xmlns:p16="http://schemas.microsoft.com/office/powerpoint/2015/main" val="1"/>
+              </p:ext>
+            </p:extLst>
+          </p:nvPr>
+        </p:nvCxnSpPr>
+        <p:spPr>
+          <a:xfrm flipH="1">
+            <a:off x="0" y="6252485"/>
+            <a:ext cx="12192000" cy="0"/>
+          </a:xfrm>
+          <a:prstGeom prst="line">
+            <a:avLst/>
+          </a:prstGeom>
+          <a:ln w="12700">
+            <a:solidFill>
+              <a:schemeClr val="accent2"/>
+            </a:solidFill>
+          </a:ln>
+        </p:spPr>
+        <p:style>
+          <a:lnRef idx="1">
+            <a:schemeClr val="accent1"/>
+          </a:lnRef>
+          <a:fillRef idx="0">
+            <a:schemeClr val="accent1"/>
+          </a:fillRef>
+          <a:effectRef idx="0">
+            <a:schemeClr val="accent1"/>
+          </a:effectRef>
+          <a:fontRef idx="minor">
+            <a:schemeClr val="tx1"/>
+          </a:fontRef>
+        </p:style>
+      </p:cxnSp>
     </p:spTree>
     <p:extLst>
       <p:ext uri="{BB962C8B-B14F-4D97-AF65-F5344CB8AC3E}">
@@ -13475,6 +12682,98 @@
   <p:clrMapOvr>
     <a:masterClrMapping/>
   </p:clrMapOvr>
+  <p:timing>
+    <p:tnLst>
+      <p:par>
+        <p:cTn id="1" dur="indefinite" restart="never" nodeType="tmRoot">
+          <p:childTnLst>
+            <p:seq concurrent="1" nextAc="seek">
+              <p:cTn id="2" dur="indefinite" nodeType="mainSeq">
+                <p:childTnLst>
+                  <p:par>
+                    <p:cTn id="3" fill="hold">
+                      <p:stCondLst>
+                        <p:cond delay="indefinite"/>
+                        <p:cond evt="onBegin" delay="0">
+                          <p:tn val="2"/>
+                        </p:cond>
+                      </p:stCondLst>
+                      <p:childTnLst>
+                        <p:par>
+                          <p:cTn id="4" fill="hold">
+                            <p:stCondLst>
+                              <p:cond delay="0"/>
+                            </p:stCondLst>
+                            <p:childTnLst>
+                              <p:par>
+                                <p:cTn id="5" presetID="10" presetClass="entr" presetSubtype="0" fill="hold" grpId="0" nodeType="withEffect">
+                                  <p:stCondLst>
+                                    <p:cond delay="500"/>
+                                  </p:stCondLst>
+                                  <p:iterate type="lt">
+                                    <p:tmPct val="10000"/>
+                                  </p:iterate>
+                                  <p:childTnLst>
+                                    <p:set>
+                                      <p:cBhvr>
+                                        <p:cTn id="6" dur="1" fill="hold">
+                                          <p:stCondLst>
+                                            <p:cond delay="0"/>
+                                          </p:stCondLst>
+                                        </p:cTn>
+                                        <p:tgtEl>
+                                          <p:spTgt spid="2"/>
+                                        </p:tgtEl>
+                                        <p:attrNameLst>
+                                          <p:attrName>style.visibility</p:attrName>
+                                        </p:attrNameLst>
+                                      </p:cBhvr>
+                                      <p:to>
+                                        <p:strVal val="visible"/>
+                                      </p:to>
+                                    </p:set>
+                                    <p:animEffect transition="in" filter="fade">
+                                      <p:cBhvr>
+                                        <p:cTn id="7" dur="400"/>
+                                        <p:tgtEl>
+                                          <p:spTgt spid="2"/>
+                                        </p:tgtEl>
+                                      </p:cBhvr>
+                                    </p:animEffect>
+                                  </p:childTnLst>
+                                </p:cTn>
+                              </p:par>
+                            </p:childTnLst>
+                          </p:cTn>
+                        </p:par>
+                      </p:childTnLst>
+                    </p:cTn>
+                  </p:par>
+                </p:childTnLst>
+              </p:cTn>
+              <p:prevCondLst>
+                <p:cond evt="onPrev" delay="0">
+                  <p:tgtEl>
+                    <p:sldTgt/>
+                  </p:tgtEl>
+                </p:cond>
+              </p:prevCondLst>
+              <p:nextCondLst>
+                <p:cond evt="onNext" delay="0">
+                  <p:tgtEl>
+                    <p:sldTgt/>
+                  </p:tgtEl>
+                </p:cond>
+              </p:nextCondLst>
+            </p:seq>
+          </p:childTnLst>
+        </p:cTn>
+      </p:par>
+    </p:tnLst>
+    <p:bldLst>
+      <p:bldP spid="2" grpId="0"/>
+    </p:bldLst>
+  </p:timing>
 </p:sld>
 </file>
 
@@ -13530,9 +12829,10 @@
           <a:lstStyle/>
           <a:p>
             <a:r>
-              <a:rPr lang="pt-BR" dirty="0"/>
+              <a:rPr lang="pt-BR"/>
               <a:t>Dados de evento</a:t>
             </a:r>
+            <a:endParaRPr lang="pt-BR" dirty="0"/>
           </a:p>
         </p:txBody>
       </p:sp>
@@ -13560,7 +12860,7 @@
         </p:spPr>
         <p:txBody>
           <a:bodyPr>
-            <a:normAutofit lnSpcReduction="10000"/>
+            <a:normAutofit/>
           </a:bodyPr>
           <a:lstStyle/>
           <a:p>
@@ -13569,13 +12869,13 @@
               <a:buChar char="•"/>
             </a:pPr>
             <a:r>
-              <a:rPr lang="pt-BR" sz="2400" dirty="0"/>
+              <a:rPr lang="pt-BR" dirty="0"/>
               <a:t>Representação do jogo a partir da sequência de ações (passes, conduções, interceptações, etc.) na bola</a:t>
             </a:r>
             <a:br>
-              <a:rPr lang="pt-BR" sz="2400" dirty="0"/>
+              <a:rPr lang="pt-BR" dirty="0"/>
             </a:br>
-            <a:endParaRPr lang="pt-BR" sz="2400" dirty="0"/>
+            <a:endParaRPr lang="pt-BR" dirty="0"/>
           </a:p>
           <a:p>
             <a:pPr marL="800100" lvl="1" indent="-342900" algn="l">
@@ -13583,7 +12883,7 @@
               <a:buChar char="•"/>
             </a:pPr>
             <a:r>
-              <a:rPr lang="pt-BR" sz="2400" dirty="0"/>
+              <a:rPr lang="pt-BR" dirty="0"/>
               <a:t>Cada ação é armazenada com informações básicas (coordenadas, tempo, tipo, equipe, jogador, etc.)</a:t>
             </a:r>
           </a:p>
@@ -13657,7 +12957,7 @@
         </p:blipFill>
         <p:spPr bwMode="auto">
           <a:xfrm>
-            <a:off x="986784" y="4110733"/>
+            <a:off x="3338750" y="5339270"/>
             <a:ext cx="5259941" cy="1252660"/>
           </a:xfrm>
           <a:prstGeom prst="rect">
@@ -13703,8 +13003,8 @@
           </a:stretch>
         </p:blipFill>
         <p:spPr bwMode="auto">
-          <a:xfrm rot="16200000">
-            <a:off x="6950311" y="3567769"/>
+          <a:xfrm>
+            <a:off x="4197063" y="2877660"/>
             <a:ext cx="3543316" cy="2338588"/>
           </a:xfrm>
           <a:prstGeom prst="rect">
@@ -14080,13 +13380,13 @@
               <a:buChar char="•"/>
             </a:pPr>
             <a:r>
-              <a:rPr lang="pt-BR" sz="2400" dirty="0"/>
+              <a:rPr lang="pt-BR" dirty="0"/>
               <a:t>A representação dos dados de evento nos permite avaliar cada ação considerando suas particularidades </a:t>
             </a:r>
             <a:br>
-              <a:rPr lang="pt-BR" sz="2400" dirty="0"/>
+              <a:rPr lang="pt-BR" dirty="0"/>
             </a:br>
-            <a:endParaRPr lang="pt-BR" sz="2400" dirty="0"/>
+            <a:endParaRPr lang="pt-BR" dirty="0"/>
           </a:p>
           <a:p>
             <a:pPr marL="800100" lvl="1" indent="-342900" algn="l">
@@ -14094,53 +13394,53 @@
               <a:buChar char="•"/>
             </a:pPr>
             <a:r>
-              <a:rPr lang="pt-BR" sz="2400" dirty="0"/>
+              <a:rPr lang="pt-BR" dirty="0"/>
               <a:t>Uma das métricas que se propõe a fazer isso é o VAEP (</a:t>
             </a:r>
             <a:r>
-              <a:rPr lang="pt-BR" sz="2400" dirty="0" err="1"/>
+              <a:rPr lang="pt-BR" dirty="0" err="1"/>
               <a:t>Valuing</a:t>
             </a:r>
             <a:r>
-              <a:rPr lang="pt-BR" sz="2400" dirty="0"/>
+              <a:rPr lang="pt-BR" dirty="0"/>
               <a:t> </a:t>
             </a:r>
             <a:r>
-              <a:rPr lang="pt-BR" sz="2400" dirty="0" err="1"/>
+              <a:rPr lang="pt-BR" dirty="0" err="1"/>
               <a:t>Actions</a:t>
             </a:r>
             <a:r>
-              <a:rPr lang="pt-BR" sz="2400" dirty="0"/>
+              <a:rPr lang="pt-BR" dirty="0"/>
               <a:t> </a:t>
             </a:r>
             <a:r>
-              <a:rPr lang="pt-BR" sz="2400" dirty="0" err="1"/>
+              <a:rPr lang="pt-BR" dirty="0" err="1"/>
               <a:t>by</a:t>
             </a:r>
             <a:r>
-              <a:rPr lang="pt-BR" sz="2400" dirty="0"/>
+              <a:rPr lang="pt-BR" dirty="0"/>
               <a:t> </a:t>
             </a:r>
             <a:r>
-              <a:rPr lang="pt-BR" sz="2400" dirty="0" err="1"/>
+              <a:rPr lang="pt-BR" dirty="0" err="1"/>
               <a:t>Estimating</a:t>
             </a:r>
             <a:r>
-              <a:rPr lang="pt-BR" sz="2400" dirty="0"/>
+              <a:rPr lang="pt-BR" dirty="0"/>
               <a:t> </a:t>
             </a:r>
             <a:r>
-              <a:rPr lang="pt-BR" sz="2400" dirty="0" err="1"/>
+              <a:rPr lang="pt-BR" dirty="0" err="1"/>
               <a:t>Probabilities</a:t>
             </a:r>
             <a:r>
-              <a:rPr lang="pt-BR" sz="2400" dirty="0"/>
+              <a:rPr lang="pt-BR" dirty="0"/>
               <a:t>)</a:t>
             </a:r>
             <a:br>
-              <a:rPr lang="pt-BR" sz="2400" dirty="0"/>
+              <a:rPr lang="pt-BR" dirty="0"/>
             </a:br>
-            <a:endParaRPr lang="pt-BR" sz="2400" dirty="0"/>
+            <a:endParaRPr lang="pt-BR" dirty="0"/>
           </a:p>
           <a:p>
             <a:pPr marL="800100" lvl="1" indent="-342900" algn="l">
@@ -14148,7 +13448,7 @@
               <a:buChar char="•"/>
             </a:pPr>
             <a:r>
-              <a:rPr lang="pt-BR" sz="2400" dirty="0"/>
+              <a:rPr lang="pt-BR" dirty="0"/>
               <a:t>O VAEP utiliza um algoritmo de Aprendizado de Máquina para estimar probabilidades de gol </a:t>
             </a:r>
           </a:p>
@@ -15719,13 +15019,13 @@
               <a:buChar char="•"/>
             </a:pPr>
             <a:r>
-              <a:rPr lang="pt-BR" sz="2400" dirty="0"/>
+              <a:rPr lang="pt-BR" dirty="0"/>
               <a:t>Com cada ação na bola propriamente avaliada, é possível fazer diversas análises</a:t>
             </a:r>
             <a:br>
-              <a:rPr lang="pt-BR" sz="2400" dirty="0"/>
+              <a:rPr lang="pt-BR" dirty="0"/>
             </a:br>
-            <a:endParaRPr lang="pt-BR" sz="2400" dirty="0"/>
+            <a:endParaRPr lang="pt-BR" dirty="0"/>
           </a:p>
           <a:p>
             <a:pPr marL="1028700" lvl="1" indent="-571500" algn="l">
@@ -15733,13 +15033,13 @@
               <a:buChar char="•"/>
             </a:pPr>
             <a:r>
-              <a:rPr lang="pt-BR" sz="2400" dirty="0"/>
+              <a:rPr lang="pt-BR" dirty="0"/>
               <a:t>Se somamos o valor das ações de um jogador, temos avaliações individuais</a:t>
             </a:r>
             <a:br>
-              <a:rPr lang="pt-BR" sz="2400" dirty="0"/>
+              <a:rPr lang="pt-BR" dirty="0"/>
             </a:br>
-            <a:endParaRPr lang="pt-BR" sz="2400" dirty="0"/>
+            <a:endParaRPr lang="pt-BR" dirty="0"/>
           </a:p>
           <a:p>
             <a:pPr marL="1028700" lvl="1" indent="-571500" algn="l">
@@ -15747,13 +15047,13 @@
               <a:buChar char="•"/>
             </a:pPr>
             <a:r>
-              <a:rPr lang="pt-BR" sz="2400" dirty="0"/>
+              <a:rPr lang="pt-BR" dirty="0"/>
               <a:t>Se somamos o valor das ações de uma equipe, temos avaliações coletivas</a:t>
             </a:r>
             <a:br>
-              <a:rPr lang="pt-BR" sz="2400" dirty="0"/>
+              <a:rPr lang="pt-BR" dirty="0"/>
             </a:br>
-            <a:endParaRPr lang="pt-BR" sz="2400" dirty="0"/>
+            <a:endParaRPr lang="pt-BR" dirty="0"/>
           </a:p>
           <a:p>
             <a:pPr marL="1028700" lvl="1" indent="-571500" algn="l">
@@ -15761,7 +15061,7 @@
               <a:buChar char="•"/>
             </a:pPr>
             <a:r>
-              <a:rPr lang="pt-BR" sz="2400" dirty="0"/>
+              <a:rPr lang="pt-BR" dirty="0"/>
               <a:t>Além disso podemos filtrar ações por:</a:t>
             </a:r>
           </a:p>
@@ -15771,15 +15071,15 @@
               <a:buChar char="•"/>
             </a:pPr>
             <a:r>
-              <a:rPr lang="pt-BR" sz="2400" dirty="0"/>
+              <a:rPr lang="pt-BR" sz="2000" dirty="0"/>
               <a:t>Tipo (passes, conduções, finalizações, </a:t>
             </a:r>
             <a:r>
-              <a:rPr lang="pt-BR" sz="2400" dirty="0" err="1"/>
+              <a:rPr lang="pt-BR" sz="2000" dirty="0" err="1"/>
               <a:t>etc</a:t>
             </a:r>
             <a:r>
-              <a:rPr lang="pt-BR" sz="2400" dirty="0"/>
+              <a:rPr lang="pt-BR" sz="2000" dirty="0"/>
               <a:t>)</a:t>
             </a:r>
           </a:p>
@@ -15789,7 +15089,7 @@
               <a:buChar char="•"/>
             </a:pPr>
             <a:r>
-              <a:rPr lang="pt-BR" sz="2400" dirty="0"/>
+              <a:rPr lang="pt-BR" sz="2000" dirty="0"/>
               <a:t>Partes do campo</a:t>
             </a:r>
           </a:p>
@@ -15799,16 +15099,16 @@
               <a:buChar char="•"/>
             </a:pPr>
             <a:r>
-              <a:rPr lang="pt-BR" sz="2400" dirty="0"/>
+              <a:rPr lang="pt-BR" sz="2000" dirty="0"/>
               <a:t>Momentos do jogo</a:t>
             </a:r>
             <a:br>
-              <a:rPr lang="pt-BR" sz="2400" dirty="0"/>
+              <a:rPr lang="pt-BR" sz="2000" dirty="0"/>
             </a:br>
             <a:br>
-              <a:rPr lang="pt-BR" sz="2400" dirty="0"/>
+              <a:rPr lang="pt-BR" sz="2000" dirty="0"/>
             </a:br>
-            <a:endParaRPr lang="pt-BR" sz="2400" dirty="0"/>
+            <a:endParaRPr lang="pt-BR" sz="2000" dirty="0"/>
           </a:p>
         </p:txBody>
       </p:sp>
@@ -16328,17 +15628,17 @@
               <a:buChar char="•"/>
             </a:pPr>
             <a:r>
-              <a:rPr lang="pt-BR" sz="2400" dirty="0"/>
+              <a:rPr lang="pt-BR" dirty="0"/>
               <a:t>Treinamos e validamos um modelo com os dados da </a:t>
             </a:r>
             <a:r>
-              <a:rPr lang="pt-BR" sz="2400" dirty="0" err="1"/>
+              <a:rPr lang="pt-BR" dirty="0" err="1"/>
               <a:t>Statsbomb</a:t>
             </a:r>
             <a:br>
-              <a:rPr lang="pt-BR" sz="2400" dirty="0"/>
+              <a:rPr lang="pt-BR" dirty="0"/>
             </a:br>
-            <a:endParaRPr lang="pt-BR" sz="2400" dirty="0"/>
+            <a:endParaRPr lang="pt-BR" dirty="0"/>
           </a:p>
           <a:p>
             <a:pPr marL="1028700" lvl="1" indent="-571500" algn="l">
@@ -16346,7 +15646,7 @@
               <a:buChar char="•"/>
             </a:pPr>
             <a:r>
-              <a:rPr lang="pt-BR" sz="2400" dirty="0"/>
+              <a:rPr lang="pt-BR" dirty="0"/>
               <a:t>Temos todas as ações da temporada 15/16 da PL avaliadas</a:t>
             </a:r>
           </a:p>
@@ -16991,12 +16291,12 @@
           <a:chExt cx="0" cy="0"/>
         </a:xfrm>
       </p:grpSpPr>
-      <p:sp useBgFill="1">
-        <p:nvSpPr>
-          <p:cNvPr id="13" name="Rectangle 12">
+      <p:sp>
+        <p:nvSpPr>
+          <p:cNvPr id="19" name="Rectangle 18">
             <a:extLst>
               <a:ext uri="{FF2B5EF4-FFF2-40B4-BE49-F238E27FC236}">
-                <a16:creationId xmlns:a16="http://schemas.microsoft.com/office/drawing/2014/main" id="{D282DA29-8D47-E7A0-16EE-444BC08B9C69}"/>
+                <a16:creationId xmlns:a16="http://schemas.microsoft.com/office/drawing/2014/main" id="{FB5B0058-AF13-4859-B429-4EDDE2A26F7F}"/>
               </a:ext>
               <a:ext uri="{C183D7F6-B498-43B3-948B-1728B52AA6E4}">
                 <adec:decorative xmlns:adec="http://schemas.microsoft.com/office/drawing/2017/decorative" val="1"/>
@@ -17017,11 +16317,17 @@
         <p:spPr>
           <a:xfrm>
             <a:off x="0" y="0"/>
-            <a:ext cx="12188952" cy="6858000"/>
+            <a:ext cx="12192000" cy="6858000"/>
           </a:xfrm>
           <a:prstGeom prst="rect">
             <a:avLst/>
           </a:prstGeom>
+          <a:solidFill>
+            <a:schemeClr val="tx1">
+              <a:lumMod val="95000"/>
+              <a:lumOff val="5000"/>
+            </a:schemeClr>
+          </a:solidFill>
           <a:ln>
             <a:noFill/>
           </a:ln>
@@ -17047,7 +16353,13 @@
           <a:lstStyle/>
           <a:p>
             <a:pPr algn="ctr"/>
-            <a:endParaRPr lang="pt-BR" dirty="0"/>
+            <a:endParaRPr lang="en-US" dirty="0">
+              <a:solidFill>
+                <a:schemeClr val="bg1">
+                  <a:lumMod val="50000"/>
+                </a:schemeClr>
+              </a:solidFill>
+            </a:endParaRPr>
           </a:p>
         </p:txBody>
       </p:sp>
@@ -17069,39 +16381,43 @@
         </p:nvSpPr>
         <p:spPr>
           <a:xfrm>
-            <a:off x="838200" y="451381"/>
-            <a:ext cx="10512552" cy="4066540"/>
+            <a:off x="1932903" y="949325"/>
+            <a:ext cx="8071706" cy="2387600"/>
           </a:xfrm>
         </p:spPr>
         <p:txBody>
-          <a:bodyPr anchor="b">
+          <a:bodyPr>
             <a:normAutofit/>
           </a:bodyPr>
           <a:lstStyle/>
           <a:p>
             <a:pPr algn="l"/>
             <a:r>
-              <a:rPr lang="pt-BR" sz="6600" dirty="0"/>
+              <a:rPr lang="pt-BR" sz="5100">
+                <a:solidFill>
+                  <a:schemeClr val="bg1"/>
+                </a:solidFill>
+              </a:rPr>
               <a:t>2. Aplicação na análise de mercado: valor gerado no meio-espaço</a:t>
             </a:r>
           </a:p>
         </p:txBody>
       </p:sp>
-      <p:sp>
-        <p:nvSpPr>
-          <p:cNvPr id="14" name="sketch line">
+      <p:cxnSp>
+        <p:nvCxnSpPr>
+          <p:cNvPr id="21" name="Straight Connector 20">
             <a:extLst>
               <a:ext uri="{FF2B5EF4-FFF2-40B4-BE49-F238E27FC236}">
-                <a16:creationId xmlns:a16="http://schemas.microsoft.com/office/drawing/2014/main" id="{D0DC3C5B-F208-FE05-017B-F3346E54B5E4}"/>
+                <a16:creationId xmlns:a16="http://schemas.microsoft.com/office/drawing/2014/main" id="{EC4521DE-248E-440D-AAD6-FD9E7D34B3BF}"/>
               </a:ext>
               <a:ext uri="{C183D7F6-B498-43B3-948B-1728B52AA6E4}">
                 <adec:decorative xmlns:adec="http://schemas.microsoft.com/office/drawing/2017/decorative" val="1"/>
               </a:ext>
             </a:extLst>
           </p:cNvPr>
-          <p:cNvSpPr>
-            <a:spLocks noGrp="1" noRot="1" noChangeAspect="1" noMove="1" noResize="1" noEditPoints="1" noAdjustHandles="1" noChangeArrowheads="1" noChangeShapeType="1" noTextEdit="1"/>
-          </p:cNvSpPr>
+          <p:cNvCxnSpPr>
+            <a:cxnSpLocks noGrp="1" noRot="1" noChangeAspect="1" noMove="1" noResize="1" noEditPoints="1" noAdjustHandles="1" noChangeArrowheads="1" noChangeShapeType="1"/>
+          </p:cNvCxnSpPr>
           <p:nvPr>
             <p:extLst>
               <p:ext uri="{386F3935-93C4-4BCD-93E2-E3B085C9AB24}">
@@ -17109,357 +16425,88 @@
               </p:ext>
             </p:extLst>
           </p:nvPr>
-        </p:nvSpPr>
+        </p:nvCxnSpPr>
         <p:spPr>
           <a:xfrm>
-            <a:off x="838200" y="4718595"/>
-            <a:ext cx="5410200" cy="18288"/>
+            <a:off x="585285" y="0"/>
+            <a:ext cx="0" cy="6858000"/>
           </a:xfrm>
-          <a:custGeom>
+          <a:prstGeom prst="line">
             <a:avLst/>
-            <a:gdLst>
-              <a:gd name="connsiteX0" fmla="*/ 0 w 5410200"/>
-              <a:gd name="connsiteY0" fmla="*/ 0 h 18288"/>
-              <a:gd name="connsiteX1" fmla="*/ 568071 w 5410200"/>
-              <a:gd name="connsiteY1" fmla="*/ 0 h 18288"/>
-              <a:gd name="connsiteX2" fmla="*/ 1298448 w 5410200"/>
-              <a:gd name="connsiteY2" fmla="*/ 0 h 18288"/>
-              <a:gd name="connsiteX3" fmla="*/ 1920621 w 5410200"/>
-              <a:gd name="connsiteY3" fmla="*/ 0 h 18288"/>
-              <a:gd name="connsiteX4" fmla="*/ 2488692 w 5410200"/>
-              <a:gd name="connsiteY4" fmla="*/ 0 h 18288"/>
-              <a:gd name="connsiteX5" fmla="*/ 3219069 w 5410200"/>
-              <a:gd name="connsiteY5" fmla="*/ 0 h 18288"/>
-              <a:gd name="connsiteX6" fmla="*/ 3895344 w 5410200"/>
-              <a:gd name="connsiteY6" fmla="*/ 0 h 18288"/>
-              <a:gd name="connsiteX7" fmla="*/ 4571619 w 5410200"/>
-              <a:gd name="connsiteY7" fmla="*/ 0 h 18288"/>
-              <a:gd name="connsiteX8" fmla="*/ 5410200 w 5410200"/>
-              <a:gd name="connsiteY8" fmla="*/ 0 h 18288"/>
-              <a:gd name="connsiteX9" fmla="*/ 5410200 w 5410200"/>
-              <a:gd name="connsiteY9" fmla="*/ 18288 h 18288"/>
-              <a:gd name="connsiteX10" fmla="*/ 4842129 w 5410200"/>
-              <a:gd name="connsiteY10" fmla="*/ 18288 h 18288"/>
-              <a:gd name="connsiteX11" fmla="*/ 4328160 w 5410200"/>
-              <a:gd name="connsiteY11" fmla="*/ 18288 h 18288"/>
-              <a:gd name="connsiteX12" fmla="*/ 3597783 w 5410200"/>
-              <a:gd name="connsiteY12" fmla="*/ 18288 h 18288"/>
-              <a:gd name="connsiteX13" fmla="*/ 3029712 w 5410200"/>
-              <a:gd name="connsiteY13" fmla="*/ 18288 h 18288"/>
-              <a:gd name="connsiteX14" fmla="*/ 2299335 w 5410200"/>
-              <a:gd name="connsiteY14" fmla="*/ 18288 h 18288"/>
-              <a:gd name="connsiteX15" fmla="*/ 1514856 w 5410200"/>
-              <a:gd name="connsiteY15" fmla="*/ 18288 h 18288"/>
-              <a:gd name="connsiteX16" fmla="*/ 892683 w 5410200"/>
-              <a:gd name="connsiteY16" fmla="*/ 18288 h 18288"/>
-              <a:gd name="connsiteX17" fmla="*/ 0 w 5410200"/>
-              <a:gd name="connsiteY17" fmla="*/ 18288 h 18288"/>
-              <a:gd name="connsiteX18" fmla="*/ 0 w 5410200"/>
-              <a:gd name="connsiteY18" fmla="*/ 0 h 18288"/>
-            </a:gdLst>
-            <a:ahLst/>
-            <a:cxnLst>
-              <a:cxn ang="0">
-                <a:pos x="connsiteX0" y="connsiteY0"/>
-              </a:cxn>
-              <a:cxn ang="0">
-                <a:pos x="connsiteX1" y="connsiteY1"/>
-              </a:cxn>
-              <a:cxn ang="0">
-                <a:pos x="connsiteX2" y="connsiteY2"/>
-              </a:cxn>
-              <a:cxn ang="0">
-                <a:pos x="connsiteX3" y="connsiteY3"/>
-              </a:cxn>
-              <a:cxn ang="0">
-                <a:pos x="connsiteX4" y="connsiteY4"/>
-              </a:cxn>
-              <a:cxn ang="0">
-                <a:pos x="connsiteX5" y="connsiteY5"/>
-              </a:cxn>
-              <a:cxn ang="0">
-                <a:pos x="connsiteX6" y="connsiteY6"/>
-              </a:cxn>
-              <a:cxn ang="0">
-                <a:pos x="connsiteX7" y="connsiteY7"/>
-              </a:cxn>
-              <a:cxn ang="0">
-                <a:pos x="connsiteX8" y="connsiteY8"/>
-              </a:cxn>
-              <a:cxn ang="0">
-                <a:pos x="connsiteX9" y="connsiteY9"/>
-              </a:cxn>
-              <a:cxn ang="0">
-                <a:pos x="connsiteX10" y="connsiteY10"/>
-              </a:cxn>
-              <a:cxn ang="0">
-                <a:pos x="connsiteX11" y="connsiteY11"/>
-              </a:cxn>
-              <a:cxn ang="0">
-                <a:pos x="connsiteX12" y="connsiteY12"/>
-              </a:cxn>
-              <a:cxn ang="0">
-                <a:pos x="connsiteX13" y="connsiteY13"/>
-              </a:cxn>
-              <a:cxn ang="0">
-                <a:pos x="connsiteX14" y="connsiteY14"/>
-              </a:cxn>
-              <a:cxn ang="0">
-                <a:pos x="connsiteX15" y="connsiteY15"/>
-              </a:cxn>
-              <a:cxn ang="0">
-                <a:pos x="connsiteX16" y="connsiteY16"/>
-              </a:cxn>
-              <a:cxn ang="0">
-                <a:pos x="connsiteX17" y="connsiteY17"/>
-              </a:cxn>
-              <a:cxn ang="0">
-                <a:pos x="connsiteX18" y="connsiteY18"/>
-              </a:cxn>
-            </a:cxnLst>
-            <a:rect l="l" t="t" r="r" b="b"/>
-            <a:pathLst>
-              <a:path w="5410200" h="18288" fill="none" extrusionOk="0">
-                <a:moveTo>
-                  <a:pt x="0" y="0"/>
-                </a:moveTo>
-                <a:cubicBezTo>
-                  <a:pt x="163050" y="-18707"/>
-                  <a:pt x="319321" y="-16364"/>
-                  <a:pt x="568071" y="0"/>
-                </a:cubicBezTo>
-                <a:cubicBezTo>
-                  <a:pt x="816821" y="16364"/>
-                  <a:pt x="1013224" y="-7268"/>
-                  <a:pt x="1298448" y="0"/>
-                </a:cubicBezTo>
-                <a:cubicBezTo>
-                  <a:pt x="1583672" y="7268"/>
-                  <a:pt x="1631711" y="-3367"/>
-                  <a:pt x="1920621" y="0"/>
-                </a:cubicBezTo>
-                <a:cubicBezTo>
-                  <a:pt x="2209531" y="3367"/>
-                  <a:pt x="2364420" y="-19184"/>
-                  <a:pt x="2488692" y="0"/>
-                </a:cubicBezTo>
-                <a:cubicBezTo>
-                  <a:pt x="2612964" y="19184"/>
-                  <a:pt x="3023298" y="-34627"/>
-                  <a:pt x="3219069" y="0"/>
-                </a:cubicBezTo>
-                <a:cubicBezTo>
-                  <a:pt x="3414840" y="34627"/>
-                  <a:pt x="3656810" y="24043"/>
-                  <a:pt x="3895344" y="0"/>
-                </a:cubicBezTo>
-                <a:cubicBezTo>
-                  <a:pt x="4133879" y="-24043"/>
-                  <a:pt x="4393984" y="-19577"/>
-                  <a:pt x="4571619" y="0"/>
-                </a:cubicBezTo>
-                <a:cubicBezTo>
-                  <a:pt x="4749255" y="19577"/>
-                  <a:pt x="5179928" y="-6281"/>
-                  <a:pt x="5410200" y="0"/>
-                </a:cubicBezTo>
-                <a:cubicBezTo>
-                  <a:pt x="5410730" y="6954"/>
-                  <a:pt x="5410934" y="12839"/>
-                  <a:pt x="5410200" y="18288"/>
-                </a:cubicBezTo>
-                <a:cubicBezTo>
-                  <a:pt x="5139060" y="6751"/>
-                  <a:pt x="5121593" y="31035"/>
-                  <a:pt x="4842129" y="18288"/>
-                </a:cubicBezTo>
-                <a:cubicBezTo>
-                  <a:pt x="4562665" y="5541"/>
-                  <a:pt x="4448273" y="9487"/>
-                  <a:pt x="4328160" y="18288"/>
-                </a:cubicBezTo>
-                <a:cubicBezTo>
-                  <a:pt x="4208047" y="27089"/>
-                  <a:pt x="3760936" y="22567"/>
-                  <a:pt x="3597783" y="18288"/>
-                </a:cubicBezTo>
-                <a:cubicBezTo>
-                  <a:pt x="3434630" y="14009"/>
-                  <a:pt x="3299718" y="33213"/>
-                  <a:pt x="3029712" y="18288"/>
-                </a:cubicBezTo>
-                <a:cubicBezTo>
-                  <a:pt x="2759706" y="3363"/>
-                  <a:pt x="2640159" y="27394"/>
-                  <a:pt x="2299335" y="18288"/>
-                </a:cubicBezTo>
-                <a:cubicBezTo>
-                  <a:pt x="1958511" y="9182"/>
-                  <a:pt x="1801186" y="28985"/>
-                  <a:pt x="1514856" y="18288"/>
-                </a:cubicBezTo>
-                <a:cubicBezTo>
-                  <a:pt x="1228526" y="7591"/>
-                  <a:pt x="1063509" y="-5305"/>
-                  <a:pt x="892683" y="18288"/>
-                </a:cubicBezTo>
-                <a:cubicBezTo>
-                  <a:pt x="721857" y="41881"/>
-                  <a:pt x="186945" y="-20897"/>
-                  <a:pt x="0" y="18288"/>
-                </a:cubicBezTo>
-                <a:cubicBezTo>
-                  <a:pt x="-570" y="9279"/>
-                  <a:pt x="132" y="5100"/>
-                  <a:pt x="0" y="0"/>
-                </a:cubicBezTo>
-                <a:close/>
-              </a:path>
-              <a:path w="5410200" h="18288" stroke="0" extrusionOk="0">
-                <a:moveTo>
-                  <a:pt x="0" y="0"/>
-                </a:moveTo>
-                <a:cubicBezTo>
-                  <a:pt x="285096" y="-4925"/>
-                  <a:pt x="376456" y="22268"/>
-                  <a:pt x="622173" y="0"/>
-                </a:cubicBezTo>
-                <a:cubicBezTo>
-                  <a:pt x="867890" y="-22268"/>
-                  <a:pt x="1031392" y="7228"/>
-                  <a:pt x="1136142" y="0"/>
-                </a:cubicBezTo>
-                <a:cubicBezTo>
-                  <a:pt x="1240892" y="-7228"/>
-                  <a:pt x="1561853" y="9877"/>
-                  <a:pt x="1920621" y="0"/>
-                </a:cubicBezTo>
-                <a:cubicBezTo>
-                  <a:pt x="2279389" y="-9877"/>
-                  <a:pt x="2367255" y="19546"/>
-                  <a:pt x="2542794" y="0"/>
-                </a:cubicBezTo>
-                <a:cubicBezTo>
-                  <a:pt x="2718333" y="-19546"/>
-                  <a:pt x="2866732" y="-22226"/>
-                  <a:pt x="3164967" y="0"/>
-                </a:cubicBezTo>
-                <a:cubicBezTo>
-                  <a:pt x="3463202" y="22226"/>
-                  <a:pt x="3568055" y="-2765"/>
-                  <a:pt x="3949446" y="0"/>
-                </a:cubicBezTo>
-                <a:cubicBezTo>
-                  <a:pt x="4330837" y="2765"/>
-                  <a:pt x="4287895" y="10557"/>
-                  <a:pt x="4517517" y="0"/>
-                </a:cubicBezTo>
-                <a:cubicBezTo>
-                  <a:pt x="4747139" y="-10557"/>
-                  <a:pt x="5149588" y="8716"/>
-                  <a:pt x="5410200" y="0"/>
-                </a:cubicBezTo>
-                <a:cubicBezTo>
-                  <a:pt x="5409517" y="5414"/>
-                  <a:pt x="5409480" y="12510"/>
-                  <a:pt x="5410200" y="18288"/>
-                </a:cubicBezTo>
-                <a:cubicBezTo>
-                  <a:pt x="5163327" y="41494"/>
-                  <a:pt x="5008749" y="10693"/>
-                  <a:pt x="4842129" y="18288"/>
-                </a:cubicBezTo>
-                <a:cubicBezTo>
-                  <a:pt x="4675509" y="25883"/>
-                  <a:pt x="4433401" y="-615"/>
-                  <a:pt x="4165854" y="18288"/>
-                </a:cubicBezTo>
-                <a:cubicBezTo>
-                  <a:pt x="3898308" y="37191"/>
-                  <a:pt x="3809032" y="-8710"/>
-                  <a:pt x="3543681" y="18288"/>
-                </a:cubicBezTo>
-                <a:cubicBezTo>
-                  <a:pt x="3278330" y="45286"/>
-                  <a:pt x="3073876" y="-15917"/>
-                  <a:pt x="2759202" y="18288"/>
-                </a:cubicBezTo>
-                <a:cubicBezTo>
-                  <a:pt x="2444528" y="52493"/>
-                  <a:pt x="2204144" y="3372"/>
-                  <a:pt x="1974723" y="18288"/>
-                </a:cubicBezTo>
-                <a:cubicBezTo>
-                  <a:pt x="1745302" y="33204"/>
-                  <a:pt x="1602335" y="31490"/>
-                  <a:pt x="1406652" y="18288"/>
-                </a:cubicBezTo>
-                <a:cubicBezTo>
-                  <a:pt x="1210969" y="5086"/>
-                  <a:pt x="923948" y="3161"/>
-                  <a:pt x="730377" y="18288"/>
-                </a:cubicBezTo>
-                <a:cubicBezTo>
-                  <a:pt x="536806" y="33415"/>
-                  <a:pt x="336496" y="-141"/>
-                  <a:pt x="0" y="18288"/>
-                </a:cubicBezTo>
-                <a:cubicBezTo>
-                  <a:pt x="-306" y="11061"/>
-                  <a:pt x="-655" y="7751"/>
-                  <a:pt x="0" y="0"/>
-                </a:cubicBezTo>
-                <a:close/>
-              </a:path>
-            </a:pathLst>
-          </a:custGeom>
-          <a:solidFill>
-            <a:schemeClr val="accent2"/>
-          </a:solidFill>
-          <a:ln w="41275" cap="rnd">
+          </a:prstGeom>
+          <a:ln w="12700">
             <a:solidFill>
               <a:schemeClr val="accent2"/>
             </a:solidFill>
-            <a:round/>
-            <a:extLst>
-              <a:ext uri="{C807C97D-BFC1-408E-A445-0C87EB9F89A2}">
-                <ask:lineSketchStyleProps xmlns:ask="http://schemas.microsoft.com/office/drawing/2018/sketchyshapes" sd="1219033472">
-                  <a:prstGeom prst="rect">
-                    <a:avLst/>
-                  </a:prstGeom>
-                  <ask:type>
-                    <ask:lineSketchFreehand/>
-                  </ask:type>
-                </ask:lineSketchStyleProps>
-              </a:ext>
-            </a:extLst>
           </a:ln>
         </p:spPr>
         <p:style>
-          <a:lnRef idx="2">
-            <a:schemeClr val="accent1">
-              <a:shade val="50000"/>
-            </a:schemeClr>
+          <a:lnRef idx="1">
+            <a:schemeClr val="accent1"/>
           </a:lnRef>
-          <a:fillRef idx="1">
+          <a:fillRef idx="0">
             <a:schemeClr val="accent1"/>
           </a:fillRef>
           <a:effectRef idx="0">
             <a:schemeClr val="accent1"/>
           </a:effectRef>
           <a:fontRef idx="minor">
-            <a:schemeClr val="lt1"/>
+            <a:schemeClr val="tx1"/>
           </a:fontRef>
         </p:style>
-        <p:txBody>
-          <a:bodyPr rtlCol="0" anchor="ctr"/>
-          <a:lstStyle/>
-          <a:p>
-            <a:pPr algn="ctr"/>
-            <a:endParaRPr lang="pt-BR" dirty="0"/>
-          </a:p>
-        </p:txBody>
-      </p:sp>
+      </p:cxnSp>
+      <p:cxnSp>
+        <p:nvCxnSpPr>
+          <p:cNvPr id="23" name="Straight Connector 22">
+            <a:extLst>
+              <a:ext uri="{FF2B5EF4-FFF2-40B4-BE49-F238E27FC236}">
+                <a16:creationId xmlns:a16="http://schemas.microsoft.com/office/drawing/2014/main" id="{442C13FA-4C0F-42D0-9626-5BA6040D8C31}"/>
+              </a:ext>
+              <a:ext uri="{C183D7F6-B498-43B3-948B-1728B52AA6E4}">
+                <adec:decorative xmlns:adec="http://schemas.microsoft.com/office/drawing/2017/decorative" val="1"/>
+              </a:ext>
+            </a:extLst>
+          </p:cNvPr>
+          <p:cNvCxnSpPr>
+            <a:cxnSpLocks noGrp="1" noRot="1" noChangeAspect="1" noMove="1" noResize="1" noEditPoints="1" noAdjustHandles="1" noChangeArrowheads="1" noChangeShapeType="1"/>
+          </p:cNvCxnSpPr>
+          <p:nvPr>
+            <p:extLst>
+              <p:ext uri="{386F3935-93C4-4BCD-93E2-E3B085C9AB24}">
+                <p16:designElem xmlns:p16="http://schemas.microsoft.com/office/powerpoint/2015/main" val="1"/>
+              </p:ext>
+            </p:extLst>
+          </p:nvPr>
+        </p:nvCxnSpPr>
+        <p:spPr>
+          <a:xfrm flipH="1">
+            <a:off x="0" y="6252485"/>
+            <a:ext cx="12192000" cy="0"/>
+          </a:xfrm>
+          <a:prstGeom prst="line">
+            <a:avLst/>
+          </a:prstGeom>
+          <a:ln w="12700">
+            <a:solidFill>
+              <a:schemeClr val="accent2"/>
+            </a:solidFill>
+          </a:ln>
+        </p:spPr>
+        <p:style>
+          <a:lnRef idx="1">
+            <a:schemeClr val="accent1"/>
+          </a:lnRef>
+          <a:fillRef idx="0">
+            <a:schemeClr val="accent1"/>
+          </a:fillRef>
+          <a:effectRef idx="0">
+            <a:schemeClr val="accent1"/>
+          </a:effectRef>
+          <a:fontRef idx="minor">
+            <a:schemeClr val="tx1"/>
+          </a:fontRef>
+        </p:style>
+      </p:cxnSp>
     </p:spTree>
     <p:extLst>
       <p:ext uri="{BB962C8B-B14F-4D97-AF65-F5344CB8AC3E}">
@@ -17470,6 +16517,98 @@
   <p:clrMapOvr>
     <a:masterClrMapping/>
   </p:clrMapOvr>
+  <p:timing>
+    <p:tnLst>
+      <p:par>
+        <p:cTn id="1" dur="indefinite" restart="never" nodeType="tmRoot">
+          <p:childTnLst>
+            <p:seq concurrent="1" nextAc="seek">
+              <p:cTn id="2" dur="indefinite" nodeType="mainSeq">
+                <p:childTnLst>
+                  <p:par>
+                    <p:cTn id="3" fill="hold">
+                      <p:stCondLst>
+                        <p:cond delay="indefinite"/>
+                        <p:cond evt="onBegin" delay="0">
+                          <p:tn val="2"/>
+                        </p:cond>
+                      </p:stCondLst>
+                      <p:childTnLst>
+                        <p:par>
+                          <p:cTn id="4" fill="hold">
+                            <p:stCondLst>
+                              <p:cond delay="0"/>
+                            </p:stCondLst>
+                            <p:childTnLst>
+                              <p:par>
+                                <p:cTn id="5" presetID="10" presetClass="entr" presetSubtype="0" fill="hold" grpId="0" nodeType="withEffect">
+                                  <p:stCondLst>
+                                    <p:cond delay="500"/>
+                                  </p:stCondLst>
+                                  <p:iterate type="lt">
+                                    <p:tmPct val="10000"/>
+                                  </p:iterate>
+                                  <p:childTnLst>
+                                    <p:set>
+                                      <p:cBhvr>
+                                        <p:cTn id="6" dur="1" fill="hold">
+                                          <p:stCondLst>
+                                            <p:cond delay="0"/>
+                                          </p:stCondLst>
+                                        </p:cTn>
+                                        <p:tgtEl>
+                                          <p:spTgt spid="2"/>
+                                        </p:tgtEl>
+                                        <p:attrNameLst>
+                                          <p:attrName>style.visibility</p:attrName>
+                                        </p:attrNameLst>
+                                      </p:cBhvr>
+                                      <p:to>
+                                        <p:strVal val="visible"/>
+                                      </p:to>
+                                    </p:set>
+                                    <p:animEffect transition="in" filter="fade">
+                                      <p:cBhvr>
+                                        <p:cTn id="7" dur="400"/>
+                                        <p:tgtEl>
+                                          <p:spTgt spid="2"/>
+                                        </p:tgtEl>
+                                      </p:cBhvr>
+                                    </p:animEffect>
+                                  </p:childTnLst>
+                                </p:cTn>
+                              </p:par>
+                            </p:childTnLst>
+                          </p:cTn>
+                        </p:par>
+                      </p:childTnLst>
+                    </p:cTn>
+                  </p:par>
+                </p:childTnLst>
+              </p:cTn>
+              <p:prevCondLst>
+                <p:cond evt="onPrev" delay="0">
+                  <p:tgtEl>
+                    <p:sldTgt/>
+                  </p:tgtEl>
+                </p:cond>
+              </p:prevCondLst>
+              <p:nextCondLst>
+                <p:cond evt="onNext" delay="0">
+                  <p:tgtEl>
+                    <p:sldTgt/>
+                  </p:tgtEl>
+                </p:cond>
+              </p:nextCondLst>
+            </p:seq>
+          </p:childTnLst>
+        </p:cTn>
+      </p:par>
+    </p:tnLst>
+    <p:bldLst>
+      <p:bldP spid="2" grpId="0"/>
+    </p:bldLst>
+  </p:timing>
 </p:sld>
 </file>
 
@@ -18379,15 +17518,6 @@
 </file>
 
 <file path=customXml/item1.xml><?xml version="1.0" encoding="utf-8"?>
-<?mso-contentType ?>
-<FormTemplates xmlns="http://schemas.microsoft.com/sharepoint/v3/contenttype/forms">
-  <Display>DocumentLibraryForm</Display>
-  <Edit>DocumentLibraryForm</Edit>
-  <New>DocumentLibraryForm</New>
-</FormTemplates>
-</file>
-
-<file path=customXml/item2.xml><?xml version="1.0" encoding="utf-8"?>
 <p:properties xmlns:p="http://schemas.microsoft.com/office/2006/metadata/properties" xmlns:xsi="http://www.w3.org/2001/XMLSchema-instance" xmlns:pc="http://schemas.microsoft.com/office/infopath/2007/PartnerControls">
   <documentManagement>
     <_ip_UnifiedCompliancePolicyUIAction xmlns="http://schemas.microsoft.com/sharepoint/v3" xsi:nil="true"/>
@@ -18405,6 +17535,15 @@
     <MediaServiceKeyPoints xmlns="71af3243-3dd4-4a8d-8c0d-dd76da1f02a5" xsi:nil="true"/>
   </documentManagement>
 </p:properties>
+</file>
+
+<file path=customXml/item2.xml><?xml version="1.0" encoding="utf-8"?>
+<?mso-contentType ?>
+<FormTemplates xmlns="http://schemas.microsoft.com/sharepoint/v3/contenttype/forms">
+  <Display>DocumentLibraryForm</Display>
+  <Edit>DocumentLibraryForm</Edit>
+  <New>DocumentLibraryForm</New>
+</FormTemplates>
 </file>
 
 <file path=customXml/item3.xml><?xml version="1.0" encoding="utf-8"?>
@@ -18720,14 +17859,6 @@
 </file>
 
 <file path=customXml/itemProps1.xml><?xml version="1.0" encoding="utf-8"?>
-<ds:datastoreItem xmlns:ds="http://schemas.openxmlformats.org/officeDocument/2006/customXml" ds:itemID="{CABF691C-888B-4061-8A6F-D5CE84A0254B}">
-  <ds:schemaRefs>
-    <ds:schemaRef ds:uri="http://schemas.microsoft.com/sharepoint/v3/contenttype/forms"/>
-  </ds:schemaRefs>
-</ds:datastoreItem>
-</file>
-
-<file path=customXml/itemProps2.xml><?xml version="1.0" encoding="utf-8"?>
 <ds:datastoreItem xmlns:ds="http://schemas.openxmlformats.org/officeDocument/2006/customXml" ds:itemID="{49168DCE-134F-4610-A6AA-88CEBE8D71D2}">
   <ds:schemaRefs>
     <ds:schemaRef ds:uri="http://schemas.microsoft.com/office/2006/metadata/properties"/>
@@ -18735,6 +17866,14 @@
     <ds:schemaRef ds:uri="http://schemas.microsoft.com/sharepoint/v3"/>
     <ds:schemaRef ds:uri="71af3243-3dd4-4a8d-8c0d-dd76da1f02a5"/>
     <ds:schemaRef ds:uri="230e9df3-be65-4c73-a93b-d1236ebd677e"/>
+  </ds:schemaRefs>
+</ds:datastoreItem>
+</file>
+
+<file path=customXml/itemProps2.xml><?xml version="1.0" encoding="utf-8"?>
+<ds:datastoreItem xmlns:ds="http://schemas.openxmlformats.org/officeDocument/2006/customXml" ds:itemID="{CABF691C-888B-4061-8A6F-D5CE84A0254B}">
+  <ds:schemaRefs>
+    <ds:schemaRef ds:uri="http://schemas.microsoft.com/sharepoint/v3/contenttype/forms"/>
   </ds:schemaRefs>
 </ds:datastoreItem>
 </file>
